--- a/bootcamp/storytelling.pptx
+++ b/bootcamp/storytelling.pptx
@@ -50,29 +50,16 @@
     <p:sldId id="295" r:id="rId45"/>
     <p:sldId id="296" r:id="rId46"/>
     <p:sldId id="297" r:id="rId47"/>
-    <p:sldId id="298" r:id="rId48"/>
-    <p:sldId id="299" r:id="rId49"/>
-    <p:sldId id="300" r:id="rId50"/>
-    <p:sldId id="301" r:id="rId51"/>
-    <p:sldId id="302" r:id="rId52"/>
-    <p:sldId id="303" r:id="rId53"/>
-    <p:sldId id="304" r:id="rId54"/>
-    <p:sldId id="305" r:id="rId55"/>
-    <p:sldId id="306" r:id="rId56"/>
-    <p:sldId id="307" r:id="rId57"/>
-    <p:sldId id="308" r:id="rId58"/>
-    <p:sldId id="309" r:id="rId59"/>
-    <p:sldId id="310" r:id="rId60"/>
   </p:sldIdLst>
   <p:sldSz cy="5143500" cx="9144000"/>
   <p:notesSz cx="6858000" cy="9144000"/>
   <p:embeddedFontLst>
     <p:embeddedFont>
       <p:font typeface="Proxima Nova"/>
-      <p:regular r:id="rId61"/>
-      <p:bold r:id="rId62"/>
-      <p:italic r:id="rId63"/>
-      <p:boldItalic r:id="rId64"/>
+      <p:regular r:id="rId48"/>
+      <p:bold r:id="rId49"/>
+      <p:italic r:id="rId50"/>
+      <p:boldItalic r:id="rId51"/>
     </p:embeddedFont>
   </p:embeddedFontLst>
   <p:defaultTextStyle>
@@ -4418,7 +4405,7 @@
       </p:grpSpPr>
       <p:sp>
         <p:nvSpPr>
-          <p:cNvPr id="307" name="Google Shape;307;g9452f5dabf_1_122:notes"/>
+          <p:cNvPr id="307" name="Google Shape;307;g9452f5dabf_1_230:notes"/>
           <p:cNvSpPr/>
           <p:nvPr>
             <p:ph idx="2" type="sldImg"/>
@@ -4453,701 +4440,7 @@
       </p:sp>
       <p:sp>
         <p:nvSpPr>
-          <p:cNvPr id="308" name="Google Shape;308;g9452f5dabf_1_122:notes"/>
-          <p:cNvSpPr txBox="1"/>
-          <p:nvPr>
-            <p:ph idx="1" type="body"/>
-          </p:nvPr>
-        </p:nvSpPr>
-        <p:spPr>
-          <a:xfrm>
-            <a:off x="685800" y="4343400"/>
-            <a:ext cx="5486400" cy="4114800"/>
-          </a:xfrm>
-          <a:prstGeom prst="rect">
-            <a:avLst/>
-          </a:prstGeom>
-        </p:spPr>
-        <p:txBody>
-          <a:bodyPr anchorCtr="0" anchor="t" bIns="91425" lIns="91425" spcFirstLastPara="1" rIns="91425" wrap="square" tIns="91425">
-            <a:noAutofit/>
-          </a:bodyPr>
-          <a:lstStyle/>
-          <a:p>
-            <a:pPr indent="0" lvl="0" marL="0" rtl="0" algn="l">
-              <a:spcBef>
-                <a:spcPts val="0"/>
-              </a:spcBef>
-              <a:spcAft>
-                <a:spcPts val="0"/>
-              </a:spcAft>
-              <a:buNone/>
-            </a:pPr>
-            <a:r>
-              <a:rPr lang="en"/>
-              <a:t>Cut for time, if needed.</a:t>
-            </a:r>
-            <a:endParaRPr/>
-          </a:p>
-        </p:txBody>
-      </p:sp>
-    </p:spTree>
-  </p:cSld>
-  <p:clrMapOvr>
-    <a:masterClrMapping/>
-  </p:clrMapOvr>
-</p:notes>
-</file>
-
-<file path=ppt/notesSlides/notesSlide43.xml><?xml version="1.0" encoding="utf-8"?>
-<p:notes xmlns:a="http://schemas.openxmlformats.org/drawingml/2006/main" xmlns:r="http://schemas.openxmlformats.org/officeDocument/2006/relationships" xmlns:mc="http://schemas.openxmlformats.org/markup-compatibility/2006" xmlns:mv="urn:schemas-microsoft-com:mac:vml" xmlns:p="http://schemas.openxmlformats.org/presentationml/2006/main" xmlns:c="http://schemas.openxmlformats.org/drawingml/2006/chart" xmlns:dgm="http://schemas.openxmlformats.org/drawingml/2006/diagram" xmlns:o="urn:schemas-microsoft-com:office:office" xmlns:v="urn:schemas-microsoft-com:vml" xmlns:pvml="urn:schemas-microsoft-com:office:powerpoint" xmlns:com="http://schemas.openxmlformats.org/drawingml/2006/compatibility" xmlns:p14="http://schemas.microsoft.com/office/powerpoint/2010/main" xmlns:p15="http://schemas.microsoft.com/office/powerpoint/2012/main" xmlns:ahyp="http://schemas.microsoft.com/office/drawing/2018/hyperlinkcolor" showMasterPhAnim="0" showMasterSp="0">
-  <p:cSld>
-    <p:spTree>
-      <p:nvGrpSpPr>
-        <p:cNvPr id="311" name="Shape 311"/>
-        <p:cNvGrpSpPr/>
-        <p:nvPr/>
-      </p:nvGrpSpPr>
-      <p:grpSpPr>
-        <a:xfrm>
-          <a:off x="0" y="0"/>
-          <a:ext cx="0" cy="0"/>
-          <a:chOff x="0" y="0"/>
-          <a:chExt cx="0" cy="0"/>
-        </a:xfrm>
-      </p:grpSpPr>
-      <p:sp>
-        <p:nvSpPr>
-          <p:cNvPr id="312" name="Google Shape;312;g9452f5dabf_1_139:notes"/>
-          <p:cNvSpPr/>
-          <p:nvPr>
-            <p:ph idx="2" type="sldImg"/>
-          </p:nvPr>
-        </p:nvSpPr>
-        <p:spPr>
-          <a:xfrm>
-            <a:off x="381300" y="685800"/>
-            <a:ext cx="6096000" cy="3429000"/>
-          </a:xfrm>
-          <a:custGeom>
-            <a:rect b="b" l="l" r="r" t="t"/>
-            <a:pathLst>
-              <a:path extrusionOk="0" h="120000" w="120000">
-                <a:moveTo>
-                  <a:pt x="0" y="0"/>
-                </a:moveTo>
-                <a:lnTo>
-                  <a:pt x="120000" y="0"/>
-                </a:lnTo>
-                <a:lnTo>
-                  <a:pt x="120000" y="120000"/>
-                </a:lnTo>
-                <a:lnTo>
-                  <a:pt x="0" y="120000"/>
-                </a:lnTo>
-                <a:close/>
-              </a:path>
-            </a:pathLst>
-          </a:custGeom>
-        </p:spPr>
-      </p:sp>
-      <p:sp>
-        <p:nvSpPr>
-          <p:cNvPr id="313" name="Google Shape;313;g9452f5dabf_1_139:notes"/>
-          <p:cNvSpPr txBox="1"/>
-          <p:nvPr>
-            <p:ph idx="1" type="body"/>
-          </p:nvPr>
-        </p:nvSpPr>
-        <p:spPr>
-          <a:xfrm>
-            <a:off x="685800" y="4343400"/>
-            <a:ext cx="5486400" cy="4114800"/>
-          </a:xfrm>
-          <a:prstGeom prst="rect">
-            <a:avLst/>
-          </a:prstGeom>
-        </p:spPr>
-        <p:txBody>
-          <a:bodyPr anchorCtr="0" anchor="t" bIns="91425" lIns="91425" spcFirstLastPara="1" rIns="91425" wrap="square" tIns="91425">
-            <a:noAutofit/>
-          </a:bodyPr>
-          <a:lstStyle/>
-          <a:p>
-            <a:pPr indent="0" lvl="0" marL="0" rtl="0" algn="l">
-              <a:spcBef>
-                <a:spcPts val="0"/>
-              </a:spcBef>
-              <a:spcAft>
-                <a:spcPts val="0"/>
-              </a:spcAft>
-              <a:buNone/>
-            </a:pPr>
-            <a:r>
-              <a:t/>
-            </a:r>
-            <a:endParaRPr/>
-          </a:p>
-        </p:txBody>
-      </p:sp>
-    </p:spTree>
-  </p:cSld>
-  <p:clrMapOvr>
-    <a:masterClrMapping/>
-  </p:clrMapOvr>
-</p:notes>
-</file>
-
-<file path=ppt/notesSlides/notesSlide44.xml><?xml version="1.0" encoding="utf-8"?>
-<p:notes xmlns:a="http://schemas.openxmlformats.org/drawingml/2006/main" xmlns:r="http://schemas.openxmlformats.org/officeDocument/2006/relationships" xmlns:mc="http://schemas.openxmlformats.org/markup-compatibility/2006" xmlns:mv="urn:schemas-microsoft-com:mac:vml" xmlns:p="http://schemas.openxmlformats.org/presentationml/2006/main" xmlns:c="http://schemas.openxmlformats.org/drawingml/2006/chart" xmlns:dgm="http://schemas.openxmlformats.org/drawingml/2006/diagram" xmlns:o="urn:schemas-microsoft-com:office:office" xmlns:v="urn:schemas-microsoft-com:vml" xmlns:pvml="urn:schemas-microsoft-com:office:powerpoint" xmlns:com="http://schemas.openxmlformats.org/drawingml/2006/compatibility" xmlns:p14="http://schemas.microsoft.com/office/powerpoint/2010/main" xmlns:p15="http://schemas.microsoft.com/office/powerpoint/2012/main" xmlns:ahyp="http://schemas.microsoft.com/office/drawing/2018/hyperlinkcolor" showMasterPhAnim="0" showMasterSp="0">
-  <p:cSld>
-    <p:spTree>
-      <p:nvGrpSpPr>
-        <p:cNvPr id="317" name="Shape 317"/>
-        <p:cNvGrpSpPr/>
-        <p:nvPr/>
-      </p:nvGrpSpPr>
-      <p:grpSpPr>
-        <a:xfrm>
-          <a:off x="0" y="0"/>
-          <a:ext cx="0" cy="0"/>
-          <a:chOff x="0" y="0"/>
-          <a:chExt cx="0" cy="0"/>
-        </a:xfrm>
-      </p:grpSpPr>
-      <p:sp>
-        <p:nvSpPr>
-          <p:cNvPr id="318" name="Google Shape;318;g9452f5dabf_1_145:notes"/>
-          <p:cNvSpPr/>
-          <p:nvPr>
-            <p:ph idx="2" type="sldImg"/>
-          </p:nvPr>
-        </p:nvSpPr>
-        <p:spPr>
-          <a:xfrm>
-            <a:off x="381300" y="685800"/>
-            <a:ext cx="6096000" cy="3429000"/>
-          </a:xfrm>
-          <a:custGeom>
-            <a:rect b="b" l="l" r="r" t="t"/>
-            <a:pathLst>
-              <a:path extrusionOk="0" h="120000" w="120000">
-                <a:moveTo>
-                  <a:pt x="0" y="0"/>
-                </a:moveTo>
-                <a:lnTo>
-                  <a:pt x="120000" y="0"/>
-                </a:lnTo>
-                <a:lnTo>
-                  <a:pt x="120000" y="120000"/>
-                </a:lnTo>
-                <a:lnTo>
-                  <a:pt x="0" y="120000"/>
-                </a:lnTo>
-                <a:close/>
-              </a:path>
-            </a:pathLst>
-          </a:custGeom>
-        </p:spPr>
-      </p:sp>
-      <p:sp>
-        <p:nvSpPr>
-          <p:cNvPr id="319" name="Google Shape;319;g9452f5dabf_1_145:notes"/>
-          <p:cNvSpPr txBox="1"/>
-          <p:nvPr>
-            <p:ph idx="1" type="body"/>
-          </p:nvPr>
-        </p:nvSpPr>
-        <p:spPr>
-          <a:xfrm>
-            <a:off x="685800" y="4343400"/>
-            <a:ext cx="5486400" cy="4114800"/>
-          </a:xfrm>
-          <a:prstGeom prst="rect">
-            <a:avLst/>
-          </a:prstGeom>
-        </p:spPr>
-        <p:txBody>
-          <a:bodyPr anchorCtr="0" anchor="t" bIns="91425" lIns="91425" spcFirstLastPara="1" rIns="91425" wrap="square" tIns="91425">
-            <a:noAutofit/>
-          </a:bodyPr>
-          <a:lstStyle/>
-          <a:p>
-            <a:pPr indent="0" lvl="0" marL="0" rtl="0" algn="l">
-              <a:spcBef>
-                <a:spcPts val="0"/>
-              </a:spcBef>
-              <a:spcAft>
-                <a:spcPts val="0"/>
-              </a:spcAft>
-              <a:buNone/>
-            </a:pPr>
-            <a:r>
-              <a:t/>
-            </a:r>
-            <a:endParaRPr/>
-          </a:p>
-        </p:txBody>
-      </p:sp>
-    </p:spTree>
-  </p:cSld>
-  <p:clrMapOvr>
-    <a:masterClrMapping/>
-  </p:clrMapOvr>
-</p:notes>
-</file>
-
-<file path=ppt/notesSlides/notesSlide45.xml><?xml version="1.0" encoding="utf-8"?>
-<p:notes xmlns:a="http://schemas.openxmlformats.org/drawingml/2006/main" xmlns:r="http://schemas.openxmlformats.org/officeDocument/2006/relationships" xmlns:mc="http://schemas.openxmlformats.org/markup-compatibility/2006" xmlns:mv="urn:schemas-microsoft-com:mac:vml" xmlns:p="http://schemas.openxmlformats.org/presentationml/2006/main" xmlns:c="http://schemas.openxmlformats.org/drawingml/2006/chart" xmlns:dgm="http://schemas.openxmlformats.org/drawingml/2006/diagram" xmlns:o="urn:schemas-microsoft-com:office:office" xmlns:v="urn:schemas-microsoft-com:vml" xmlns:pvml="urn:schemas-microsoft-com:office:powerpoint" xmlns:com="http://schemas.openxmlformats.org/drawingml/2006/compatibility" xmlns:p14="http://schemas.microsoft.com/office/powerpoint/2010/main" xmlns:p15="http://schemas.microsoft.com/office/powerpoint/2012/main" xmlns:ahyp="http://schemas.microsoft.com/office/drawing/2018/hyperlinkcolor" showMasterPhAnim="0" showMasterSp="0">
-  <p:cSld>
-    <p:spTree>
-      <p:nvGrpSpPr>
-        <p:cNvPr id="323" name="Shape 323"/>
-        <p:cNvGrpSpPr/>
-        <p:nvPr/>
-      </p:nvGrpSpPr>
-      <p:grpSpPr>
-        <a:xfrm>
-          <a:off x="0" y="0"/>
-          <a:ext cx="0" cy="0"/>
-          <a:chOff x="0" y="0"/>
-          <a:chExt cx="0" cy="0"/>
-        </a:xfrm>
-      </p:grpSpPr>
-      <p:sp>
-        <p:nvSpPr>
-          <p:cNvPr id="324" name="Google Shape;324;g9452f5dabf_1_150:notes"/>
-          <p:cNvSpPr/>
-          <p:nvPr>
-            <p:ph idx="2" type="sldImg"/>
-          </p:nvPr>
-        </p:nvSpPr>
-        <p:spPr>
-          <a:xfrm>
-            <a:off x="381300" y="685800"/>
-            <a:ext cx="6096000" cy="3429000"/>
-          </a:xfrm>
-          <a:custGeom>
-            <a:rect b="b" l="l" r="r" t="t"/>
-            <a:pathLst>
-              <a:path extrusionOk="0" h="120000" w="120000">
-                <a:moveTo>
-                  <a:pt x="0" y="0"/>
-                </a:moveTo>
-                <a:lnTo>
-                  <a:pt x="120000" y="0"/>
-                </a:lnTo>
-                <a:lnTo>
-                  <a:pt x="120000" y="120000"/>
-                </a:lnTo>
-                <a:lnTo>
-                  <a:pt x="0" y="120000"/>
-                </a:lnTo>
-                <a:close/>
-              </a:path>
-            </a:pathLst>
-          </a:custGeom>
-        </p:spPr>
-      </p:sp>
-      <p:sp>
-        <p:nvSpPr>
-          <p:cNvPr id="325" name="Google Shape;325;g9452f5dabf_1_150:notes"/>
-          <p:cNvSpPr txBox="1"/>
-          <p:nvPr>
-            <p:ph idx="1" type="body"/>
-          </p:nvPr>
-        </p:nvSpPr>
-        <p:spPr>
-          <a:xfrm>
-            <a:off x="685800" y="4343400"/>
-            <a:ext cx="5486400" cy="4114800"/>
-          </a:xfrm>
-          <a:prstGeom prst="rect">
-            <a:avLst/>
-          </a:prstGeom>
-        </p:spPr>
-        <p:txBody>
-          <a:bodyPr anchorCtr="0" anchor="t" bIns="91425" lIns="91425" spcFirstLastPara="1" rIns="91425" wrap="square" tIns="91425">
-            <a:noAutofit/>
-          </a:bodyPr>
-          <a:lstStyle/>
-          <a:p>
-            <a:pPr indent="0" lvl="0" marL="0" rtl="0" algn="l">
-              <a:spcBef>
-                <a:spcPts val="0"/>
-              </a:spcBef>
-              <a:spcAft>
-                <a:spcPts val="0"/>
-              </a:spcAft>
-              <a:buNone/>
-            </a:pPr>
-            <a:r>
-              <a:t/>
-            </a:r>
-            <a:endParaRPr/>
-          </a:p>
-        </p:txBody>
-      </p:sp>
-    </p:spTree>
-  </p:cSld>
-  <p:clrMapOvr>
-    <a:masterClrMapping/>
-  </p:clrMapOvr>
-</p:notes>
-</file>
-
-<file path=ppt/notesSlides/notesSlide46.xml><?xml version="1.0" encoding="utf-8"?>
-<p:notes xmlns:a="http://schemas.openxmlformats.org/drawingml/2006/main" xmlns:r="http://schemas.openxmlformats.org/officeDocument/2006/relationships" xmlns:mc="http://schemas.openxmlformats.org/markup-compatibility/2006" xmlns:mv="urn:schemas-microsoft-com:mac:vml" xmlns:p="http://schemas.openxmlformats.org/presentationml/2006/main" xmlns:c="http://schemas.openxmlformats.org/drawingml/2006/chart" xmlns:dgm="http://schemas.openxmlformats.org/drawingml/2006/diagram" xmlns:o="urn:schemas-microsoft-com:office:office" xmlns:v="urn:schemas-microsoft-com:vml" xmlns:pvml="urn:schemas-microsoft-com:office:powerpoint" xmlns:com="http://schemas.openxmlformats.org/drawingml/2006/compatibility" xmlns:p14="http://schemas.microsoft.com/office/powerpoint/2010/main" xmlns:p15="http://schemas.microsoft.com/office/powerpoint/2012/main" xmlns:ahyp="http://schemas.microsoft.com/office/drawing/2018/hyperlinkcolor" showMasterPhAnim="0" showMasterSp="0">
-  <p:cSld>
-    <p:spTree>
-      <p:nvGrpSpPr>
-        <p:cNvPr id="329" name="Shape 329"/>
-        <p:cNvGrpSpPr/>
-        <p:nvPr/>
-      </p:nvGrpSpPr>
-      <p:grpSpPr>
-        <a:xfrm>
-          <a:off x="0" y="0"/>
-          <a:ext cx="0" cy="0"/>
-          <a:chOff x="0" y="0"/>
-          <a:chExt cx="0" cy="0"/>
-        </a:xfrm>
-      </p:grpSpPr>
-      <p:sp>
-        <p:nvSpPr>
-          <p:cNvPr id="330" name="Google Shape;330;g9452f5dabf_1_156:notes"/>
-          <p:cNvSpPr/>
-          <p:nvPr>
-            <p:ph idx="2" type="sldImg"/>
-          </p:nvPr>
-        </p:nvSpPr>
-        <p:spPr>
-          <a:xfrm>
-            <a:off x="381300" y="685800"/>
-            <a:ext cx="6096000" cy="3429000"/>
-          </a:xfrm>
-          <a:custGeom>
-            <a:rect b="b" l="l" r="r" t="t"/>
-            <a:pathLst>
-              <a:path extrusionOk="0" h="120000" w="120000">
-                <a:moveTo>
-                  <a:pt x="0" y="0"/>
-                </a:moveTo>
-                <a:lnTo>
-                  <a:pt x="120000" y="0"/>
-                </a:lnTo>
-                <a:lnTo>
-                  <a:pt x="120000" y="120000"/>
-                </a:lnTo>
-                <a:lnTo>
-                  <a:pt x="0" y="120000"/>
-                </a:lnTo>
-                <a:close/>
-              </a:path>
-            </a:pathLst>
-          </a:custGeom>
-        </p:spPr>
-      </p:sp>
-      <p:sp>
-        <p:nvSpPr>
-          <p:cNvPr id="331" name="Google Shape;331;g9452f5dabf_1_156:notes"/>
-          <p:cNvSpPr txBox="1"/>
-          <p:nvPr>
-            <p:ph idx="1" type="body"/>
-          </p:nvPr>
-        </p:nvSpPr>
-        <p:spPr>
-          <a:xfrm>
-            <a:off x="685800" y="4343400"/>
-            <a:ext cx="5486400" cy="4114800"/>
-          </a:xfrm>
-          <a:prstGeom prst="rect">
-            <a:avLst/>
-          </a:prstGeom>
-        </p:spPr>
-        <p:txBody>
-          <a:bodyPr anchorCtr="0" anchor="t" bIns="91425" lIns="91425" spcFirstLastPara="1" rIns="91425" wrap="square" tIns="91425">
-            <a:noAutofit/>
-          </a:bodyPr>
-          <a:lstStyle/>
-          <a:p>
-            <a:pPr indent="0" lvl="0" marL="0" rtl="0" algn="l">
-              <a:spcBef>
-                <a:spcPts val="0"/>
-              </a:spcBef>
-              <a:spcAft>
-                <a:spcPts val="0"/>
-              </a:spcAft>
-              <a:buNone/>
-            </a:pPr>
-            <a:r>
-              <a:t/>
-            </a:r>
-            <a:endParaRPr/>
-          </a:p>
-        </p:txBody>
-      </p:sp>
-    </p:spTree>
-  </p:cSld>
-  <p:clrMapOvr>
-    <a:masterClrMapping/>
-  </p:clrMapOvr>
-</p:notes>
-</file>
-
-<file path=ppt/notesSlides/notesSlide47.xml><?xml version="1.0" encoding="utf-8"?>
-<p:notes xmlns:a="http://schemas.openxmlformats.org/drawingml/2006/main" xmlns:r="http://schemas.openxmlformats.org/officeDocument/2006/relationships" xmlns:mc="http://schemas.openxmlformats.org/markup-compatibility/2006" xmlns:mv="urn:schemas-microsoft-com:mac:vml" xmlns:p="http://schemas.openxmlformats.org/presentationml/2006/main" xmlns:c="http://schemas.openxmlformats.org/drawingml/2006/chart" xmlns:dgm="http://schemas.openxmlformats.org/drawingml/2006/diagram" xmlns:o="urn:schemas-microsoft-com:office:office" xmlns:v="urn:schemas-microsoft-com:vml" xmlns:pvml="urn:schemas-microsoft-com:office:powerpoint" xmlns:com="http://schemas.openxmlformats.org/drawingml/2006/compatibility" xmlns:p14="http://schemas.microsoft.com/office/powerpoint/2010/main" xmlns:p15="http://schemas.microsoft.com/office/powerpoint/2012/main" xmlns:ahyp="http://schemas.microsoft.com/office/drawing/2018/hyperlinkcolor" showMasterPhAnim="0" showMasterSp="0">
-  <p:cSld>
-    <p:spTree>
-      <p:nvGrpSpPr>
-        <p:cNvPr id="335" name="Shape 335"/>
-        <p:cNvGrpSpPr/>
-        <p:nvPr/>
-      </p:nvGrpSpPr>
-      <p:grpSpPr>
-        <a:xfrm>
-          <a:off x="0" y="0"/>
-          <a:ext cx="0" cy="0"/>
-          <a:chOff x="0" y="0"/>
-          <a:chExt cx="0" cy="0"/>
-        </a:xfrm>
-      </p:grpSpPr>
-      <p:sp>
-        <p:nvSpPr>
-          <p:cNvPr id="336" name="Google Shape;336;g9452f5dabf_1_172:notes"/>
-          <p:cNvSpPr/>
-          <p:nvPr>
-            <p:ph idx="2" type="sldImg"/>
-          </p:nvPr>
-        </p:nvSpPr>
-        <p:spPr>
-          <a:xfrm>
-            <a:off x="381300" y="685800"/>
-            <a:ext cx="6096000" cy="3429000"/>
-          </a:xfrm>
-          <a:custGeom>
-            <a:rect b="b" l="l" r="r" t="t"/>
-            <a:pathLst>
-              <a:path extrusionOk="0" h="120000" w="120000">
-                <a:moveTo>
-                  <a:pt x="0" y="0"/>
-                </a:moveTo>
-                <a:lnTo>
-                  <a:pt x="120000" y="0"/>
-                </a:lnTo>
-                <a:lnTo>
-                  <a:pt x="120000" y="120000"/>
-                </a:lnTo>
-                <a:lnTo>
-                  <a:pt x="0" y="120000"/>
-                </a:lnTo>
-                <a:close/>
-              </a:path>
-            </a:pathLst>
-          </a:custGeom>
-        </p:spPr>
-      </p:sp>
-      <p:sp>
-        <p:nvSpPr>
-          <p:cNvPr id="337" name="Google Shape;337;g9452f5dabf_1_172:notes"/>
-          <p:cNvSpPr txBox="1"/>
-          <p:nvPr>
-            <p:ph idx="1" type="body"/>
-          </p:nvPr>
-        </p:nvSpPr>
-        <p:spPr>
-          <a:xfrm>
-            <a:off x="685800" y="4343400"/>
-            <a:ext cx="5486400" cy="4114800"/>
-          </a:xfrm>
-          <a:prstGeom prst="rect">
-            <a:avLst/>
-          </a:prstGeom>
-        </p:spPr>
-        <p:txBody>
-          <a:bodyPr anchorCtr="0" anchor="t" bIns="91425" lIns="91425" spcFirstLastPara="1" rIns="91425" wrap="square" tIns="91425">
-            <a:noAutofit/>
-          </a:bodyPr>
-          <a:lstStyle/>
-          <a:p>
-            <a:pPr indent="0" lvl="0" marL="0" rtl="0" algn="l">
-              <a:spcBef>
-                <a:spcPts val="0"/>
-              </a:spcBef>
-              <a:spcAft>
-                <a:spcPts val="0"/>
-              </a:spcAft>
-              <a:buNone/>
-            </a:pPr>
-            <a:r>
-              <a:t/>
-            </a:r>
-            <a:endParaRPr/>
-          </a:p>
-        </p:txBody>
-      </p:sp>
-    </p:spTree>
-  </p:cSld>
-  <p:clrMapOvr>
-    <a:masterClrMapping/>
-  </p:clrMapOvr>
-</p:notes>
-</file>
-
-<file path=ppt/notesSlides/notesSlide48.xml><?xml version="1.0" encoding="utf-8"?>
-<p:notes xmlns:a="http://schemas.openxmlformats.org/drawingml/2006/main" xmlns:r="http://schemas.openxmlformats.org/officeDocument/2006/relationships" xmlns:mc="http://schemas.openxmlformats.org/markup-compatibility/2006" xmlns:mv="urn:schemas-microsoft-com:mac:vml" xmlns:p="http://schemas.openxmlformats.org/presentationml/2006/main" xmlns:c="http://schemas.openxmlformats.org/drawingml/2006/chart" xmlns:dgm="http://schemas.openxmlformats.org/drawingml/2006/diagram" xmlns:o="urn:schemas-microsoft-com:office:office" xmlns:v="urn:schemas-microsoft-com:vml" xmlns:pvml="urn:schemas-microsoft-com:office:powerpoint" xmlns:com="http://schemas.openxmlformats.org/drawingml/2006/compatibility" xmlns:p14="http://schemas.microsoft.com/office/powerpoint/2010/main" xmlns:p15="http://schemas.microsoft.com/office/powerpoint/2012/main" xmlns:ahyp="http://schemas.microsoft.com/office/drawing/2018/hyperlinkcolor" showMasterPhAnim="0" showMasterSp="0">
-  <p:cSld>
-    <p:spTree>
-      <p:nvGrpSpPr>
-        <p:cNvPr id="340" name="Shape 340"/>
-        <p:cNvGrpSpPr/>
-        <p:nvPr/>
-      </p:nvGrpSpPr>
-      <p:grpSpPr>
-        <a:xfrm>
-          <a:off x="0" y="0"/>
-          <a:ext cx="0" cy="0"/>
-          <a:chOff x="0" y="0"/>
-          <a:chExt cx="0" cy="0"/>
-        </a:xfrm>
-      </p:grpSpPr>
-      <p:sp>
-        <p:nvSpPr>
-          <p:cNvPr id="341" name="Google Shape;341;g9452f5dabf_1_165:notes"/>
-          <p:cNvSpPr/>
-          <p:nvPr>
-            <p:ph idx="2" type="sldImg"/>
-          </p:nvPr>
-        </p:nvSpPr>
-        <p:spPr>
-          <a:xfrm>
-            <a:off x="381300" y="685800"/>
-            <a:ext cx="6096000" cy="3429000"/>
-          </a:xfrm>
-          <a:custGeom>
-            <a:rect b="b" l="l" r="r" t="t"/>
-            <a:pathLst>
-              <a:path extrusionOk="0" h="120000" w="120000">
-                <a:moveTo>
-                  <a:pt x="0" y="0"/>
-                </a:moveTo>
-                <a:lnTo>
-                  <a:pt x="120000" y="0"/>
-                </a:lnTo>
-                <a:lnTo>
-                  <a:pt x="120000" y="120000"/>
-                </a:lnTo>
-                <a:lnTo>
-                  <a:pt x="0" y="120000"/>
-                </a:lnTo>
-                <a:close/>
-              </a:path>
-            </a:pathLst>
-          </a:custGeom>
-        </p:spPr>
-      </p:sp>
-      <p:sp>
-        <p:nvSpPr>
-          <p:cNvPr id="342" name="Google Shape;342;g9452f5dabf_1_165:notes"/>
-          <p:cNvSpPr txBox="1"/>
-          <p:nvPr>
-            <p:ph idx="1" type="body"/>
-          </p:nvPr>
-        </p:nvSpPr>
-        <p:spPr>
-          <a:xfrm>
-            <a:off x="685800" y="4343400"/>
-            <a:ext cx="5486400" cy="4114800"/>
-          </a:xfrm>
-          <a:prstGeom prst="rect">
-            <a:avLst/>
-          </a:prstGeom>
-        </p:spPr>
-        <p:txBody>
-          <a:bodyPr anchorCtr="0" anchor="t" bIns="91425" lIns="91425" spcFirstLastPara="1" rIns="91425" wrap="square" tIns="91425">
-            <a:noAutofit/>
-          </a:bodyPr>
-          <a:lstStyle/>
-          <a:p>
-            <a:pPr indent="0" lvl="0" marL="0" rtl="0" algn="l">
-              <a:spcBef>
-                <a:spcPts val="0"/>
-              </a:spcBef>
-              <a:spcAft>
-                <a:spcPts val="0"/>
-              </a:spcAft>
-              <a:buNone/>
-            </a:pPr>
-            <a:r>
-              <a:t/>
-            </a:r>
-            <a:endParaRPr/>
-          </a:p>
-        </p:txBody>
-      </p:sp>
-    </p:spTree>
-  </p:cSld>
-  <p:clrMapOvr>
-    <a:masterClrMapping/>
-  </p:clrMapOvr>
-</p:notes>
-</file>
-
-<file path=ppt/notesSlides/notesSlide49.xml><?xml version="1.0" encoding="utf-8"?>
-<p:notes xmlns:a="http://schemas.openxmlformats.org/drawingml/2006/main" xmlns:r="http://schemas.openxmlformats.org/officeDocument/2006/relationships" xmlns:mc="http://schemas.openxmlformats.org/markup-compatibility/2006" xmlns:mv="urn:schemas-microsoft-com:mac:vml" xmlns:p="http://schemas.openxmlformats.org/presentationml/2006/main" xmlns:c="http://schemas.openxmlformats.org/drawingml/2006/chart" xmlns:dgm="http://schemas.openxmlformats.org/drawingml/2006/diagram" xmlns:o="urn:schemas-microsoft-com:office:office" xmlns:v="urn:schemas-microsoft-com:vml" xmlns:pvml="urn:schemas-microsoft-com:office:powerpoint" xmlns:com="http://schemas.openxmlformats.org/drawingml/2006/compatibility" xmlns:p14="http://schemas.microsoft.com/office/powerpoint/2010/main" xmlns:p15="http://schemas.microsoft.com/office/powerpoint/2012/main" xmlns:ahyp="http://schemas.microsoft.com/office/drawing/2018/hyperlinkcolor" showMasterPhAnim="0" showMasterSp="0">
-  <p:cSld>
-    <p:spTree>
-      <p:nvGrpSpPr>
-        <p:cNvPr id="347" name="Shape 347"/>
-        <p:cNvGrpSpPr/>
-        <p:nvPr/>
-      </p:nvGrpSpPr>
-      <p:grpSpPr>
-        <a:xfrm>
-          <a:off x="0" y="0"/>
-          <a:ext cx="0" cy="0"/>
-          <a:chOff x="0" y="0"/>
-          <a:chExt cx="0" cy="0"/>
-        </a:xfrm>
-      </p:grpSpPr>
-      <p:sp>
-        <p:nvSpPr>
-          <p:cNvPr id="348" name="Google Shape;348;g9452f5dabf_1_176:notes"/>
-          <p:cNvSpPr/>
-          <p:nvPr>
-            <p:ph idx="2" type="sldImg"/>
-          </p:nvPr>
-        </p:nvSpPr>
-        <p:spPr>
-          <a:xfrm>
-            <a:off x="381300" y="685800"/>
-            <a:ext cx="6096000" cy="3429000"/>
-          </a:xfrm>
-          <a:custGeom>
-            <a:rect b="b" l="l" r="r" t="t"/>
-            <a:pathLst>
-              <a:path extrusionOk="0" h="120000" w="120000">
-                <a:moveTo>
-                  <a:pt x="0" y="0"/>
-                </a:moveTo>
-                <a:lnTo>
-                  <a:pt x="120000" y="0"/>
-                </a:lnTo>
-                <a:lnTo>
-                  <a:pt x="120000" y="120000"/>
-                </a:lnTo>
-                <a:lnTo>
-                  <a:pt x="0" y="120000"/>
-                </a:lnTo>
-                <a:close/>
-              </a:path>
-            </a:pathLst>
-          </a:custGeom>
-        </p:spPr>
-      </p:sp>
-      <p:sp>
-        <p:nvSpPr>
-          <p:cNvPr id="349" name="Google Shape;349;g9452f5dabf_1_176:notes"/>
+          <p:cNvPr id="308" name="Google Shape;308;g9452f5dabf_1_230:notes"/>
           <p:cNvSpPr txBox="1"/>
           <p:nvPr>
             <p:ph idx="1" type="body"/>
@@ -5247,600 +4540,6 @@
       <p:sp>
         <p:nvSpPr>
           <p:cNvPr id="80" name="Google Shape;80;g9452f5dabf_0_6:notes"/>
-          <p:cNvSpPr txBox="1"/>
-          <p:nvPr>
-            <p:ph idx="1" type="body"/>
-          </p:nvPr>
-        </p:nvSpPr>
-        <p:spPr>
-          <a:xfrm>
-            <a:off x="685800" y="4343400"/>
-            <a:ext cx="5486400" cy="4114800"/>
-          </a:xfrm>
-          <a:prstGeom prst="rect">
-            <a:avLst/>
-          </a:prstGeom>
-        </p:spPr>
-        <p:txBody>
-          <a:bodyPr anchorCtr="0" anchor="t" bIns="91425" lIns="91425" spcFirstLastPara="1" rIns="91425" wrap="square" tIns="91425">
-            <a:noAutofit/>
-          </a:bodyPr>
-          <a:lstStyle/>
-          <a:p>
-            <a:pPr indent="0" lvl="0" marL="0" rtl="0" algn="l">
-              <a:spcBef>
-                <a:spcPts val="0"/>
-              </a:spcBef>
-              <a:spcAft>
-                <a:spcPts val="0"/>
-              </a:spcAft>
-              <a:buNone/>
-            </a:pPr>
-            <a:r>
-              <a:t/>
-            </a:r>
-            <a:endParaRPr/>
-          </a:p>
-        </p:txBody>
-      </p:sp>
-    </p:spTree>
-  </p:cSld>
-  <p:clrMapOvr>
-    <a:masterClrMapping/>
-  </p:clrMapOvr>
-</p:notes>
-</file>
-
-<file path=ppt/notesSlides/notesSlide50.xml><?xml version="1.0" encoding="utf-8"?>
-<p:notes xmlns:a="http://schemas.openxmlformats.org/drawingml/2006/main" xmlns:r="http://schemas.openxmlformats.org/officeDocument/2006/relationships" xmlns:mc="http://schemas.openxmlformats.org/markup-compatibility/2006" xmlns:mv="urn:schemas-microsoft-com:mac:vml" xmlns:p="http://schemas.openxmlformats.org/presentationml/2006/main" xmlns:c="http://schemas.openxmlformats.org/drawingml/2006/chart" xmlns:dgm="http://schemas.openxmlformats.org/drawingml/2006/diagram" xmlns:o="urn:schemas-microsoft-com:office:office" xmlns:v="urn:schemas-microsoft-com:vml" xmlns:pvml="urn:schemas-microsoft-com:office:powerpoint" xmlns:com="http://schemas.openxmlformats.org/drawingml/2006/compatibility" xmlns:p14="http://schemas.microsoft.com/office/powerpoint/2010/main" xmlns:p15="http://schemas.microsoft.com/office/powerpoint/2012/main" xmlns:ahyp="http://schemas.microsoft.com/office/drawing/2018/hyperlinkcolor" showMasterPhAnim="0" showMasterSp="0">
-  <p:cSld>
-    <p:spTree>
-      <p:nvGrpSpPr>
-        <p:cNvPr id="354" name="Shape 354"/>
-        <p:cNvGrpSpPr/>
-        <p:nvPr/>
-      </p:nvGrpSpPr>
-      <p:grpSpPr>
-        <a:xfrm>
-          <a:off x="0" y="0"/>
-          <a:ext cx="0" cy="0"/>
-          <a:chOff x="0" y="0"/>
-          <a:chExt cx="0" cy="0"/>
-        </a:xfrm>
-      </p:grpSpPr>
-      <p:sp>
-        <p:nvSpPr>
-          <p:cNvPr id="355" name="Google Shape;355;g9452f5dabf_1_183:notes"/>
-          <p:cNvSpPr/>
-          <p:nvPr>
-            <p:ph idx="2" type="sldImg"/>
-          </p:nvPr>
-        </p:nvSpPr>
-        <p:spPr>
-          <a:xfrm>
-            <a:off x="381300" y="685800"/>
-            <a:ext cx="6096000" cy="3429000"/>
-          </a:xfrm>
-          <a:custGeom>
-            <a:rect b="b" l="l" r="r" t="t"/>
-            <a:pathLst>
-              <a:path extrusionOk="0" h="120000" w="120000">
-                <a:moveTo>
-                  <a:pt x="0" y="0"/>
-                </a:moveTo>
-                <a:lnTo>
-                  <a:pt x="120000" y="0"/>
-                </a:lnTo>
-                <a:lnTo>
-                  <a:pt x="120000" y="120000"/>
-                </a:lnTo>
-                <a:lnTo>
-                  <a:pt x="0" y="120000"/>
-                </a:lnTo>
-                <a:close/>
-              </a:path>
-            </a:pathLst>
-          </a:custGeom>
-        </p:spPr>
-      </p:sp>
-      <p:sp>
-        <p:nvSpPr>
-          <p:cNvPr id="356" name="Google Shape;356;g9452f5dabf_1_183:notes"/>
-          <p:cNvSpPr txBox="1"/>
-          <p:nvPr>
-            <p:ph idx="1" type="body"/>
-          </p:nvPr>
-        </p:nvSpPr>
-        <p:spPr>
-          <a:xfrm>
-            <a:off x="685800" y="4343400"/>
-            <a:ext cx="5486400" cy="4114800"/>
-          </a:xfrm>
-          <a:prstGeom prst="rect">
-            <a:avLst/>
-          </a:prstGeom>
-        </p:spPr>
-        <p:txBody>
-          <a:bodyPr anchorCtr="0" anchor="t" bIns="91425" lIns="91425" spcFirstLastPara="1" rIns="91425" wrap="square" tIns="91425">
-            <a:noAutofit/>
-          </a:bodyPr>
-          <a:lstStyle/>
-          <a:p>
-            <a:pPr indent="0" lvl="0" marL="0" rtl="0" algn="l">
-              <a:spcBef>
-                <a:spcPts val="0"/>
-              </a:spcBef>
-              <a:spcAft>
-                <a:spcPts val="0"/>
-              </a:spcAft>
-              <a:buNone/>
-            </a:pPr>
-            <a:r>
-              <a:t/>
-            </a:r>
-            <a:endParaRPr/>
-          </a:p>
-        </p:txBody>
-      </p:sp>
-    </p:spTree>
-  </p:cSld>
-  <p:clrMapOvr>
-    <a:masterClrMapping/>
-  </p:clrMapOvr>
-</p:notes>
-</file>
-
-<file path=ppt/notesSlides/notesSlide51.xml><?xml version="1.0" encoding="utf-8"?>
-<p:notes xmlns:a="http://schemas.openxmlformats.org/drawingml/2006/main" xmlns:r="http://schemas.openxmlformats.org/officeDocument/2006/relationships" xmlns:mc="http://schemas.openxmlformats.org/markup-compatibility/2006" xmlns:mv="urn:schemas-microsoft-com:mac:vml" xmlns:p="http://schemas.openxmlformats.org/presentationml/2006/main" xmlns:c="http://schemas.openxmlformats.org/drawingml/2006/chart" xmlns:dgm="http://schemas.openxmlformats.org/drawingml/2006/diagram" xmlns:o="urn:schemas-microsoft-com:office:office" xmlns:v="urn:schemas-microsoft-com:vml" xmlns:pvml="urn:schemas-microsoft-com:office:powerpoint" xmlns:com="http://schemas.openxmlformats.org/drawingml/2006/compatibility" xmlns:p14="http://schemas.microsoft.com/office/powerpoint/2010/main" xmlns:p15="http://schemas.microsoft.com/office/powerpoint/2012/main" xmlns:ahyp="http://schemas.microsoft.com/office/drawing/2018/hyperlinkcolor" showMasterPhAnim="0" showMasterSp="0">
-  <p:cSld>
-    <p:spTree>
-      <p:nvGrpSpPr>
-        <p:cNvPr id="361" name="Shape 361"/>
-        <p:cNvGrpSpPr/>
-        <p:nvPr/>
-      </p:nvGrpSpPr>
-      <p:grpSpPr>
-        <a:xfrm>
-          <a:off x="0" y="0"/>
-          <a:ext cx="0" cy="0"/>
-          <a:chOff x="0" y="0"/>
-          <a:chExt cx="0" cy="0"/>
-        </a:xfrm>
-      </p:grpSpPr>
-      <p:sp>
-        <p:nvSpPr>
-          <p:cNvPr id="362" name="Google Shape;362;g9452f5dabf_1_189:notes"/>
-          <p:cNvSpPr/>
-          <p:nvPr>
-            <p:ph idx="2" type="sldImg"/>
-          </p:nvPr>
-        </p:nvSpPr>
-        <p:spPr>
-          <a:xfrm>
-            <a:off x="381300" y="685800"/>
-            <a:ext cx="6096000" cy="3429000"/>
-          </a:xfrm>
-          <a:custGeom>
-            <a:rect b="b" l="l" r="r" t="t"/>
-            <a:pathLst>
-              <a:path extrusionOk="0" h="120000" w="120000">
-                <a:moveTo>
-                  <a:pt x="0" y="0"/>
-                </a:moveTo>
-                <a:lnTo>
-                  <a:pt x="120000" y="0"/>
-                </a:lnTo>
-                <a:lnTo>
-                  <a:pt x="120000" y="120000"/>
-                </a:lnTo>
-                <a:lnTo>
-                  <a:pt x="0" y="120000"/>
-                </a:lnTo>
-                <a:close/>
-              </a:path>
-            </a:pathLst>
-          </a:custGeom>
-        </p:spPr>
-      </p:sp>
-      <p:sp>
-        <p:nvSpPr>
-          <p:cNvPr id="363" name="Google Shape;363;g9452f5dabf_1_189:notes"/>
-          <p:cNvSpPr txBox="1"/>
-          <p:nvPr>
-            <p:ph idx="1" type="body"/>
-          </p:nvPr>
-        </p:nvSpPr>
-        <p:spPr>
-          <a:xfrm>
-            <a:off x="685800" y="4343400"/>
-            <a:ext cx="5486400" cy="4114800"/>
-          </a:xfrm>
-          <a:prstGeom prst="rect">
-            <a:avLst/>
-          </a:prstGeom>
-        </p:spPr>
-        <p:txBody>
-          <a:bodyPr anchorCtr="0" anchor="t" bIns="91425" lIns="91425" spcFirstLastPara="1" rIns="91425" wrap="square" tIns="91425">
-            <a:noAutofit/>
-          </a:bodyPr>
-          <a:lstStyle/>
-          <a:p>
-            <a:pPr indent="0" lvl="0" marL="0" rtl="0" algn="l">
-              <a:spcBef>
-                <a:spcPts val="0"/>
-              </a:spcBef>
-              <a:spcAft>
-                <a:spcPts val="0"/>
-              </a:spcAft>
-              <a:buNone/>
-            </a:pPr>
-            <a:r>
-              <a:t/>
-            </a:r>
-            <a:endParaRPr/>
-          </a:p>
-        </p:txBody>
-      </p:sp>
-    </p:spTree>
-  </p:cSld>
-  <p:clrMapOvr>
-    <a:masterClrMapping/>
-  </p:clrMapOvr>
-</p:notes>
-</file>
-
-<file path=ppt/notesSlides/notesSlide52.xml><?xml version="1.0" encoding="utf-8"?>
-<p:notes xmlns:a="http://schemas.openxmlformats.org/drawingml/2006/main" xmlns:r="http://schemas.openxmlformats.org/officeDocument/2006/relationships" xmlns:mc="http://schemas.openxmlformats.org/markup-compatibility/2006" xmlns:mv="urn:schemas-microsoft-com:mac:vml" xmlns:p="http://schemas.openxmlformats.org/presentationml/2006/main" xmlns:c="http://schemas.openxmlformats.org/drawingml/2006/chart" xmlns:dgm="http://schemas.openxmlformats.org/drawingml/2006/diagram" xmlns:o="urn:schemas-microsoft-com:office:office" xmlns:v="urn:schemas-microsoft-com:vml" xmlns:pvml="urn:schemas-microsoft-com:office:powerpoint" xmlns:com="http://schemas.openxmlformats.org/drawingml/2006/compatibility" xmlns:p14="http://schemas.microsoft.com/office/powerpoint/2010/main" xmlns:p15="http://schemas.microsoft.com/office/powerpoint/2012/main" xmlns:ahyp="http://schemas.microsoft.com/office/drawing/2018/hyperlinkcolor" showMasterPhAnim="0" showMasterSp="0">
-  <p:cSld>
-    <p:spTree>
-      <p:nvGrpSpPr>
-        <p:cNvPr id="368" name="Shape 368"/>
-        <p:cNvGrpSpPr/>
-        <p:nvPr/>
-      </p:nvGrpSpPr>
-      <p:grpSpPr>
-        <a:xfrm>
-          <a:off x="0" y="0"/>
-          <a:ext cx="0" cy="0"/>
-          <a:chOff x="0" y="0"/>
-          <a:chExt cx="0" cy="0"/>
-        </a:xfrm>
-      </p:grpSpPr>
-      <p:sp>
-        <p:nvSpPr>
-          <p:cNvPr id="369" name="Google Shape;369;g9452f5dabf_1_196:notes"/>
-          <p:cNvSpPr/>
-          <p:nvPr>
-            <p:ph idx="2" type="sldImg"/>
-          </p:nvPr>
-        </p:nvSpPr>
-        <p:spPr>
-          <a:xfrm>
-            <a:off x="381300" y="685800"/>
-            <a:ext cx="6096000" cy="3429000"/>
-          </a:xfrm>
-          <a:custGeom>
-            <a:rect b="b" l="l" r="r" t="t"/>
-            <a:pathLst>
-              <a:path extrusionOk="0" h="120000" w="120000">
-                <a:moveTo>
-                  <a:pt x="0" y="0"/>
-                </a:moveTo>
-                <a:lnTo>
-                  <a:pt x="120000" y="0"/>
-                </a:lnTo>
-                <a:lnTo>
-                  <a:pt x="120000" y="120000"/>
-                </a:lnTo>
-                <a:lnTo>
-                  <a:pt x="0" y="120000"/>
-                </a:lnTo>
-                <a:close/>
-              </a:path>
-            </a:pathLst>
-          </a:custGeom>
-        </p:spPr>
-      </p:sp>
-      <p:sp>
-        <p:nvSpPr>
-          <p:cNvPr id="370" name="Google Shape;370;g9452f5dabf_1_196:notes"/>
-          <p:cNvSpPr txBox="1"/>
-          <p:nvPr>
-            <p:ph idx="1" type="body"/>
-          </p:nvPr>
-        </p:nvSpPr>
-        <p:spPr>
-          <a:xfrm>
-            <a:off x="685800" y="4343400"/>
-            <a:ext cx="5486400" cy="4114800"/>
-          </a:xfrm>
-          <a:prstGeom prst="rect">
-            <a:avLst/>
-          </a:prstGeom>
-        </p:spPr>
-        <p:txBody>
-          <a:bodyPr anchorCtr="0" anchor="t" bIns="91425" lIns="91425" spcFirstLastPara="1" rIns="91425" wrap="square" tIns="91425">
-            <a:noAutofit/>
-          </a:bodyPr>
-          <a:lstStyle/>
-          <a:p>
-            <a:pPr indent="0" lvl="0" marL="0" rtl="0" algn="l">
-              <a:spcBef>
-                <a:spcPts val="0"/>
-              </a:spcBef>
-              <a:spcAft>
-                <a:spcPts val="0"/>
-              </a:spcAft>
-              <a:buNone/>
-            </a:pPr>
-            <a:r>
-              <a:t/>
-            </a:r>
-            <a:endParaRPr/>
-          </a:p>
-        </p:txBody>
-      </p:sp>
-    </p:spTree>
-  </p:cSld>
-  <p:clrMapOvr>
-    <a:masterClrMapping/>
-  </p:clrMapOvr>
-</p:notes>
-</file>
-
-<file path=ppt/notesSlides/notesSlide53.xml><?xml version="1.0" encoding="utf-8"?>
-<p:notes xmlns:a="http://schemas.openxmlformats.org/drawingml/2006/main" xmlns:r="http://schemas.openxmlformats.org/officeDocument/2006/relationships" xmlns:mc="http://schemas.openxmlformats.org/markup-compatibility/2006" xmlns:mv="urn:schemas-microsoft-com:mac:vml" xmlns:p="http://schemas.openxmlformats.org/presentationml/2006/main" xmlns:c="http://schemas.openxmlformats.org/drawingml/2006/chart" xmlns:dgm="http://schemas.openxmlformats.org/drawingml/2006/diagram" xmlns:o="urn:schemas-microsoft-com:office:office" xmlns:v="urn:schemas-microsoft-com:vml" xmlns:pvml="urn:schemas-microsoft-com:office:powerpoint" xmlns:com="http://schemas.openxmlformats.org/drawingml/2006/compatibility" xmlns:p14="http://schemas.microsoft.com/office/powerpoint/2010/main" xmlns:p15="http://schemas.microsoft.com/office/powerpoint/2012/main" xmlns:ahyp="http://schemas.microsoft.com/office/drawing/2018/hyperlinkcolor" showMasterPhAnim="0" showMasterSp="0">
-  <p:cSld>
-    <p:spTree>
-      <p:nvGrpSpPr>
-        <p:cNvPr id="375" name="Shape 375"/>
-        <p:cNvGrpSpPr/>
-        <p:nvPr/>
-      </p:nvGrpSpPr>
-      <p:grpSpPr>
-        <a:xfrm>
-          <a:off x="0" y="0"/>
-          <a:ext cx="0" cy="0"/>
-          <a:chOff x="0" y="0"/>
-          <a:chExt cx="0" cy="0"/>
-        </a:xfrm>
-      </p:grpSpPr>
-      <p:sp>
-        <p:nvSpPr>
-          <p:cNvPr id="376" name="Google Shape;376;g9452f5dabf_1_202:notes"/>
-          <p:cNvSpPr/>
-          <p:nvPr>
-            <p:ph idx="2" type="sldImg"/>
-          </p:nvPr>
-        </p:nvSpPr>
-        <p:spPr>
-          <a:xfrm>
-            <a:off x="381300" y="685800"/>
-            <a:ext cx="6096000" cy="3429000"/>
-          </a:xfrm>
-          <a:custGeom>
-            <a:rect b="b" l="l" r="r" t="t"/>
-            <a:pathLst>
-              <a:path extrusionOk="0" h="120000" w="120000">
-                <a:moveTo>
-                  <a:pt x="0" y="0"/>
-                </a:moveTo>
-                <a:lnTo>
-                  <a:pt x="120000" y="0"/>
-                </a:lnTo>
-                <a:lnTo>
-                  <a:pt x="120000" y="120000"/>
-                </a:lnTo>
-                <a:lnTo>
-                  <a:pt x="0" y="120000"/>
-                </a:lnTo>
-                <a:close/>
-              </a:path>
-            </a:pathLst>
-          </a:custGeom>
-        </p:spPr>
-      </p:sp>
-      <p:sp>
-        <p:nvSpPr>
-          <p:cNvPr id="377" name="Google Shape;377;g9452f5dabf_1_202:notes"/>
-          <p:cNvSpPr txBox="1"/>
-          <p:nvPr>
-            <p:ph idx="1" type="body"/>
-          </p:nvPr>
-        </p:nvSpPr>
-        <p:spPr>
-          <a:xfrm>
-            <a:off x="685800" y="4343400"/>
-            <a:ext cx="5486400" cy="4114800"/>
-          </a:xfrm>
-          <a:prstGeom prst="rect">
-            <a:avLst/>
-          </a:prstGeom>
-        </p:spPr>
-        <p:txBody>
-          <a:bodyPr anchorCtr="0" anchor="t" bIns="91425" lIns="91425" spcFirstLastPara="1" rIns="91425" wrap="square" tIns="91425">
-            <a:noAutofit/>
-          </a:bodyPr>
-          <a:lstStyle/>
-          <a:p>
-            <a:pPr indent="0" lvl="0" marL="0" rtl="0" algn="l">
-              <a:spcBef>
-                <a:spcPts val="0"/>
-              </a:spcBef>
-              <a:spcAft>
-                <a:spcPts val="0"/>
-              </a:spcAft>
-              <a:buNone/>
-            </a:pPr>
-            <a:r>
-              <a:t/>
-            </a:r>
-            <a:endParaRPr/>
-          </a:p>
-        </p:txBody>
-      </p:sp>
-    </p:spTree>
-  </p:cSld>
-  <p:clrMapOvr>
-    <a:masterClrMapping/>
-  </p:clrMapOvr>
-</p:notes>
-</file>
-
-<file path=ppt/notesSlides/notesSlide54.xml><?xml version="1.0" encoding="utf-8"?>
-<p:notes xmlns:a="http://schemas.openxmlformats.org/drawingml/2006/main" xmlns:r="http://schemas.openxmlformats.org/officeDocument/2006/relationships" xmlns:mc="http://schemas.openxmlformats.org/markup-compatibility/2006" xmlns:mv="urn:schemas-microsoft-com:mac:vml" xmlns:p="http://schemas.openxmlformats.org/presentationml/2006/main" xmlns:c="http://schemas.openxmlformats.org/drawingml/2006/chart" xmlns:dgm="http://schemas.openxmlformats.org/drawingml/2006/diagram" xmlns:o="urn:schemas-microsoft-com:office:office" xmlns:v="urn:schemas-microsoft-com:vml" xmlns:pvml="urn:schemas-microsoft-com:office:powerpoint" xmlns:com="http://schemas.openxmlformats.org/drawingml/2006/compatibility" xmlns:p14="http://schemas.microsoft.com/office/powerpoint/2010/main" xmlns:p15="http://schemas.microsoft.com/office/powerpoint/2012/main" xmlns:ahyp="http://schemas.microsoft.com/office/drawing/2018/hyperlinkcolor" showMasterPhAnim="0" showMasterSp="0">
-  <p:cSld>
-    <p:spTree>
-      <p:nvGrpSpPr>
-        <p:cNvPr id="380" name="Shape 380"/>
-        <p:cNvGrpSpPr/>
-        <p:nvPr/>
-      </p:nvGrpSpPr>
-      <p:grpSpPr>
-        <a:xfrm>
-          <a:off x="0" y="0"/>
-          <a:ext cx="0" cy="0"/>
-          <a:chOff x="0" y="0"/>
-          <a:chExt cx="0" cy="0"/>
-        </a:xfrm>
-      </p:grpSpPr>
-      <p:sp>
-        <p:nvSpPr>
-          <p:cNvPr id="381" name="Google Shape;381;g9452f5dabf_1_206:notes"/>
-          <p:cNvSpPr/>
-          <p:nvPr>
-            <p:ph idx="2" type="sldImg"/>
-          </p:nvPr>
-        </p:nvSpPr>
-        <p:spPr>
-          <a:xfrm>
-            <a:off x="381300" y="685800"/>
-            <a:ext cx="6096000" cy="3429000"/>
-          </a:xfrm>
-          <a:custGeom>
-            <a:rect b="b" l="l" r="r" t="t"/>
-            <a:pathLst>
-              <a:path extrusionOk="0" h="120000" w="120000">
-                <a:moveTo>
-                  <a:pt x="0" y="0"/>
-                </a:moveTo>
-                <a:lnTo>
-                  <a:pt x="120000" y="0"/>
-                </a:lnTo>
-                <a:lnTo>
-                  <a:pt x="120000" y="120000"/>
-                </a:lnTo>
-                <a:lnTo>
-                  <a:pt x="0" y="120000"/>
-                </a:lnTo>
-                <a:close/>
-              </a:path>
-            </a:pathLst>
-          </a:custGeom>
-        </p:spPr>
-      </p:sp>
-      <p:sp>
-        <p:nvSpPr>
-          <p:cNvPr id="382" name="Google Shape;382;g9452f5dabf_1_206:notes"/>
-          <p:cNvSpPr txBox="1"/>
-          <p:nvPr>
-            <p:ph idx="1" type="body"/>
-          </p:nvPr>
-        </p:nvSpPr>
-        <p:spPr>
-          <a:xfrm>
-            <a:off x="685800" y="4343400"/>
-            <a:ext cx="5486400" cy="4114800"/>
-          </a:xfrm>
-          <a:prstGeom prst="rect">
-            <a:avLst/>
-          </a:prstGeom>
-        </p:spPr>
-        <p:txBody>
-          <a:bodyPr anchorCtr="0" anchor="t" bIns="91425" lIns="91425" spcFirstLastPara="1" rIns="91425" wrap="square" tIns="91425">
-            <a:noAutofit/>
-          </a:bodyPr>
-          <a:lstStyle/>
-          <a:p>
-            <a:pPr indent="0" lvl="0" marL="0" rtl="0" algn="l">
-              <a:spcBef>
-                <a:spcPts val="0"/>
-              </a:spcBef>
-              <a:spcAft>
-                <a:spcPts val="0"/>
-              </a:spcAft>
-              <a:buNone/>
-            </a:pPr>
-            <a:r>
-              <a:t/>
-            </a:r>
-            <a:endParaRPr/>
-          </a:p>
-        </p:txBody>
-      </p:sp>
-    </p:spTree>
-  </p:cSld>
-  <p:clrMapOvr>
-    <a:masterClrMapping/>
-  </p:clrMapOvr>
-</p:notes>
-</file>
-
-<file path=ppt/notesSlides/notesSlide55.xml><?xml version="1.0" encoding="utf-8"?>
-<p:notes xmlns:a="http://schemas.openxmlformats.org/drawingml/2006/main" xmlns:r="http://schemas.openxmlformats.org/officeDocument/2006/relationships" xmlns:mc="http://schemas.openxmlformats.org/markup-compatibility/2006" xmlns:mv="urn:schemas-microsoft-com:mac:vml" xmlns:p="http://schemas.openxmlformats.org/presentationml/2006/main" xmlns:c="http://schemas.openxmlformats.org/drawingml/2006/chart" xmlns:dgm="http://schemas.openxmlformats.org/drawingml/2006/diagram" xmlns:o="urn:schemas-microsoft-com:office:office" xmlns:v="urn:schemas-microsoft-com:vml" xmlns:pvml="urn:schemas-microsoft-com:office:powerpoint" xmlns:com="http://schemas.openxmlformats.org/drawingml/2006/compatibility" xmlns:p14="http://schemas.microsoft.com/office/powerpoint/2010/main" xmlns:p15="http://schemas.microsoft.com/office/powerpoint/2012/main" xmlns:ahyp="http://schemas.microsoft.com/office/drawing/2018/hyperlinkcolor" showMasterPhAnim="0" showMasterSp="0">
-  <p:cSld>
-    <p:spTree>
-      <p:nvGrpSpPr>
-        <p:cNvPr id="386" name="Shape 386"/>
-        <p:cNvGrpSpPr/>
-        <p:nvPr/>
-      </p:nvGrpSpPr>
-      <p:grpSpPr>
-        <a:xfrm>
-          <a:off x="0" y="0"/>
-          <a:ext cx="0" cy="0"/>
-          <a:chOff x="0" y="0"/>
-          <a:chExt cx="0" cy="0"/>
-        </a:xfrm>
-      </p:grpSpPr>
-      <p:sp>
-        <p:nvSpPr>
-          <p:cNvPr id="387" name="Google Shape;387;g9452f5dabf_1_230:notes"/>
-          <p:cNvSpPr/>
-          <p:nvPr>
-            <p:ph idx="2" type="sldImg"/>
-          </p:nvPr>
-        </p:nvSpPr>
-        <p:spPr>
-          <a:xfrm>
-            <a:off x="381300" y="685800"/>
-            <a:ext cx="6096000" cy="3429000"/>
-          </a:xfrm>
-          <a:custGeom>
-            <a:rect b="b" l="l" r="r" t="t"/>
-            <a:pathLst>
-              <a:path extrusionOk="0" h="120000" w="120000">
-                <a:moveTo>
-                  <a:pt x="0" y="0"/>
-                </a:moveTo>
-                <a:lnTo>
-                  <a:pt x="120000" y="0"/>
-                </a:lnTo>
-                <a:lnTo>
-                  <a:pt x="120000" y="120000"/>
-                </a:lnTo>
-                <a:lnTo>
-                  <a:pt x="0" y="120000"/>
-                </a:lnTo>
-                <a:close/>
-              </a:path>
-            </a:pathLst>
-          </a:custGeom>
-        </p:spPr>
-      </p:sp>
-      <p:sp>
-        <p:nvSpPr>
-          <p:cNvPr id="388" name="Google Shape;388;g9452f5dabf_1_230:notes"/>
           <p:cNvSpPr txBox="1"/>
           <p:nvPr>
             <p:ph idx="1" type="body"/>
@@ -14292,7 +12991,7 @@
             </a:pPr>
             <a:r>
               <a:rPr lang="en"/>
-              <a:t>Identify a trend </a:t>
+              <a:t>Identify a trend &amp; tell a story </a:t>
             </a:r>
             <a:r>
               <a:rPr i="1" lang="en" sz="2600">
@@ -14300,7 +12999,7 @@
                   <a:schemeClr val="accent4"/>
                 </a:solidFill>
               </a:rPr>
-              <a:t>(5-10 minutes)</a:t>
+              <a:t>(15-20 minutes)</a:t>
             </a:r>
             <a:endParaRPr i="1" sz="2600">
               <a:solidFill>
@@ -14361,6 +13060,38 @@
             <a:r>
               <a:rPr lang="en"/>
               <a:t>Use Google Trends to determine what users are searching for right now in relation to your topic</a:t>
+            </a:r>
+            <a:endParaRPr/>
+          </a:p>
+          <a:p>
+            <a:pPr indent="0" lvl="0" marL="0" rtl="0" algn="l">
+              <a:spcBef>
+                <a:spcPts val="1600"/>
+              </a:spcBef>
+              <a:spcAft>
+                <a:spcPts val="0"/>
+              </a:spcAft>
+              <a:buNone/>
+            </a:pPr>
+            <a:r>
+              <a:t/>
+            </a:r>
+            <a:endParaRPr/>
+          </a:p>
+          <a:p>
+            <a:pPr indent="-342900" lvl="0" marL="457200" rtl="0" algn="l">
+              <a:spcBef>
+                <a:spcPts val="1600"/>
+              </a:spcBef>
+              <a:spcAft>
+                <a:spcPts val="0"/>
+              </a:spcAft>
+              <a:buSzPts val="1800"/>
+              <a:buChar char="●"/>
+            </a:pPr>
+            <a:r>
+              <a:rPr lang="en"/>
+              <a:t>Take the questions users are asking and turn them into a story idea</a:t>
             </a:r>
             <a:endParaRPr/>
           </a:p>
@@ -14457,7 +13188,7 @@
             </a:pPr>
             <a:r>
               <a:rPr lang="en"/>
-              <a:t>If we know what users are curious about, we can create content that answers their questions.</a:t>
+              <a:t>If we know what users are curious about, we can create content (tell a story) that answers their questions.</a:t>
             </a:r>
             <a:endParaRPr/>
           </a:p>
@@ -18063,1290 +16794,29 @@
               <a:buNone/>
             </a:pPr>
             <a:r>
-              <a:rPr lang="en"/>
-              <a:t>Find or build an audience</a:t>
-            </a:r>
-            <a:endParaRPr/>
+              <a:rPr b="1" lang="en"/>
+              <a:t>Slides:</a:t>
+            </a:r>
+            <a:r>
+              <a:rPr lang="en"/>
+              <a:t> </a:t>
+            </a:r>
+            <a:r>
+              <a:rPr i="1" lang="en" sz="3500">
+                <a:solidFill>
+                  <a:schemeClr val="lt2"/>
+                </a:solidFill>
+              </a:rPr>
+              <a:t>aapyles.github.io/cns/bootcamp/</a:t>
+            </a:r>
+            <a:endParaRPr i="1" sz="3500">
+              <a:solidFill>
+                <a:schemeClr val="lt2"/>
+              </a:solidFill>
+            </a:endParaRPr>
           </a:p>
         </p:txBody>
       </p:sp>
-    </p:spTree>
-  </p:cSld>
-  <p:clrMapOvr>
-    <a:masterClrMapping/>
-  </p:clrMapOvr>
-</p:sld>
-</file>
-
-<file path=ppt/slides/slide43.xml><?xml version="1.0" encoding="utf-8"?>
-<p:sld xmlns:a="http://schemas.openxmlformats.org/drawingml/2006/main" xmlns:r="http://schemas.openxmlformats.org/officeDocument/2006/relationships" xmlns:mc="http://schemas.openxmlformats.org/markup-compatibility/2006" xmlns:mv="urn:schemas-microsoft-com:mac:vml" xmlns:p="http://schemas.openxmlformats.org/presentationml/2006/main" xmlns:c="http://schemas.openxmlformats.org/drawingml/2006/chart" xmlns:dgm="http://schemas.openxmlformats.org/drawingml/2006/diagram" xmlns:o="urn:schemas-microsoft-com:office:office" xmlns:v="urn:schemas-microsoft-com:vml" xmlns:pvml="urn:schemas-microsoft-com:office:powerpoint" xmlns:com="http://schemas.openxmlformats.org/drawingml/2006/compatibility" xmlns:p14="http://schemas.microsoft.com/office/powerpoint/2010/main" xmlns:p15="http://schemas.microsoft.com/office/powerpoint/2012/main" xmlns:ahyp="http://schemas.microsoft.com/office/drawing/2018/hyperlinkcolor">
-  <p:cSld>
-    <p:spTree>
-      <p:nvGrpSpPr>
-        <p:cNvPr id="314" name="Shape 314"/>
-        <p:cNvGrpSpPr/>
-        <p:nvPr/>
-      </p:nvGrpSpPr>
-      <p:grpSpPr>
-        <a:xfrm>
-          <a:off x="0" y="0"/>
-          <a:ext cx="0" cy="0"/>
-          <a:chOff x="0" y="0"/>
-          <a:chExt cx="0" cy="0"/>
-        </a:xfrm>
-      </p:grpSpPr>
-      <p:sp>
-        <p:nvSpPr>
-          <p:cNvPr id="315" name="Google Shape;315;p55"/>
-          <p:cNvSpPr txBox="1"/>
-          <p:nvPr>
-            <p:ph type="title"/>
-          </p:nvPr>
-        </p:nvSpPr>
-        <p:spPr>
-          <a:xfrm>
-            <a:off x="311700" y="445025"/>
-            <a:ext cx="8520600" cy="572700"/>
-          </a:xfrm>
-          <a:prstGeom prst="rect">
-            <a:avLst/>
-          </a:prstGeom>
-        </p:spPr>
-        <p:txBody>
-          <a:bodyPr anchorCtr="0" anchor="t" bIns="91425" lIns="91425" spcFirstLastPara="1" rIns="91425" wrap="square" tIns="91425">
-            <a:noAutofit/>
-          </a:bodyPr>
-          <a:lstStyle/>
-          <a:p>
-            <a:pPr indent="0" lvl="0" marL="0" rtl="0" algn="l">
-              <a:spcBef>
-                <a:spcPts val="0"/>
-              </a:spcBef>
-              <a:spcAft>
-                <a:spcPts val="0"/>
-              </a:spcAft>
-              <a:buNone/>
-            </a:pPr>
-            <a:r>
-              <a:rPr lang="en"/>
-              <a:t>Audience Engagement</a:t>
-            </a:r>
-            <a:endParaRPr/>
-          </a:p>
-        </p:txBody>
-      </p:sp>
-      <p:sp>
-        <p:nvSpPr>
-          <p:cNvPr id="316" name="Google Shape;316;p55"/>
-          <p:cNvSpPr txBox="1"/>
-          <p:nvPr>
-            <p:ph idx="1" type="body"/>
-          </p:nvPr>
-        </p:nvSpPr>
-        <p:spPr>
-          <a:xfrm>
-            <a:off x="311700" y="1152475"/>
-            <a:ext cx="8520600" cy="3416400"/>
-          </a:xfrm>
-          <a:prstGeom prst="rect">
-            <a:avLst/>
-          </a:prstGeom>
-        </p:spPr>
-        <p:txBody>
-          <a:bodyPr anchorCtr="0" anchor="t" bIns="91425" lIns="91425" spcFirstLastPara="1" rIns="91425" wrap="square" tIns="91425">
-            <a:noAutofit/>
-          </a:bodyPr>
-          <a:lstStyle/>
-          <a:p>
-            <a:pPr indent="0" lvl="0" marL="457200" rtl="0" algn="l">
-              <a:lnSpc>
-                <a:spcPct val="200000"/>
-              </a:lnSpc>
-              <a:spcBef>
-                <a:spcPts val="0"/>
-              </a:spcBef>
-              <a:spcAft>
-                <a:spcPts val="0"/>
-              </a:spcAft>
-              <a:buNone/>
-            </a:pPr>
-            <a:r>
-              <a:t/>
-            </a:r>
-            <a:endParaRPr/>
-          </a:p>
-          <a:p>
-            <a:pPr indent="-342900" lvl="0" marL="457200" rtl="0" algn="l">
-              <a:lnSpc>
-                <a:spcPct val="200000"/>
-              </a:lnSpc>
-              <a:spcBef>
-                <a:spcPts val="1600"/>
-              </a:spcBef>
-              <a:spcAft>
-                <a:spcPts val="0"/>
-              </a:spcAft>
-              <a:buSzPts val="1800"/>
-              <a:buChar char="●"/>
-            </a:pPr>
-            <a:r>
-              <a:rPr lang="en"/>
-              <a:t>Creating value</a:t>
-            </a:r>
-            <a:endParaRPr/>
-          </a:p>
-          <a:p>
-            <a:pPr indent="-342900" lvl="0" marL="457200" rtl="0" algn="l">
-              <a:lnSpc>
-                <a:spcPct val="200000"/>
-              </a:lnSpc>
-              <a:spcBef>
-                <a:spcPts val="0"/>
-              </a:spcBef>
-              <a:spcAft>
-                <a:spcPts val="0"/>
-              </a:spcAft>
-              <a:buSzPts val="1800"/>
-              <a:buChar char="●"/>
-            </a:pPr>
-            <a:r>
-              <a:rPr lang="en"/>
-              <a:t>Having a conversation</a:t>
-            </a:r>
-            <a:endParaRPr/>
-          </a:p>
-          <a:p>
-            <a:pPr indent="-342900" lvl="0" marL="457200" rtl="0" algn="l">
-              <a:lnSpc>
-                <a:spcPct val="200000"/>
-              </a:lnSpc>
-              <a:spcBef>
-                <a:spcPts val="0"/>
-              </a:spcBef>
-              <a:spcAft>
-                <a:spcPts val="0"/>
-              </a:spcAft>
-              <a:buSzPts val="1800"/>
-              <a:buChar char="●"/>
-            </a:pPr>
-            <a:r>
-              <a:rPr lang="en"/>
-              <a:t>Giving/taking content</a:t>
-            </a:r>
-            <a:endParaRPr/>
-          </a:p>
-          <a:p>
-            <a:pPr indent="0" lvl="0" marL="0" rtl="0" algn="l">
-              <a:spcBef>
-                <a:spcPts val="1600"/>
-              </a:spcBef>
-              <a:spcAft>
-                <a:spcPts val="0"/>
-              </a:spcAft>
-              <a:buNone/>
-            </a:pPr>
-            <a:r>
-              <a:t/>
-            </a:r>
-            <a:endParaRPr/>
-          </a:p>
-          <a:p>
-            <a:pPr indent="0" lvl="0" marL="0" rtl="0" algn="l">
-              <a:spcBef>
-                <a:spcPts val="1600"/>
-              </a:spcBef>
-              <a:spcAft>
-                <a:spcPts val="1600"/>
-              </a:spcAft>
-              <a:buNone/>
-            </a:pPr>
-            <a:r>
-              <a:t/>
-            </a:r>
-            <a:endParaRPr/>
-          </a:p>
-        </p:txBody>
-      </p:sp>
-    </p:spTree>
-  </p:cSld>
-  <p:clrMapOvr>
-    <a:masterClrMapping/>
-  </p:clrMapOvr>
-</p:sld>
-</file>
-
-<file path=ppt/slides/slide44.xml><?xml version="1.0" encoding="utf-8"?>
-<p:sld xmlns:a="http://schemas.openxmlformats.org/drawingml/2006/main" xmlns:r="http://schemas.openxmlformats.org/officeDocument/2006/relationships" xmlns:mc="http://schemas.openxmlformats.org/markup-compatibility/2006" xmlns:mv="urn:schemas-microsoft-com:mac:vml" xmlns:p="http://schemas.openxmlformats.org/presentationml/2006/main" xmlns:c="http://schemas.openxmlformats.org/drawingml/2006/chart" xmlns:dgm="http://schemas.openxmlformats.org/drawingml/2006/diagram" xmlns:o="urn:schemas-microsoft-com:office:office" xmlns:v="urn:schemas-microsoft-com:vml" xmlns:pvml="urn:schemas-microsoft-com:office:powerpoint" xmlns:com="http://schemas.openxmlformats.org/drawingml/2006/compatibility" xmlns:p14="http://schemas.microsoft.com/office/powerpoint/2010/main" xmlns:p15="http://schemas.microsoft.com/office/powerpoint/2012/main" xmlns:ahyp="http://schemas.microsoft.com/office/drawing/2018/hyperlinkcolor">
-  <p:cSld>
-    <p:spTree>
-      <p:nvGrpSpPr>
-        <p:cNvPr id="320" name="Shape 320"/>
-        <p:cNvGrpSpPr/>
-        <p:nvPr/>
-      </p:nvGrpSpPr>
-      <p:grpSpPr>
-        <a:xfrm>
-          <a:off x="0" y="0"/>
-          <a:ext cx="0" cy="0"/>
-          <a:chOff x="0" y="0"/>
-          <a:chExt cx="0" cy="0"/>
-        </a:xfrm>
-      </p:grpSpPr>
-      <p:sp>
-        <p:nvSpPr>
-          <p:cNvPr id="321" name="Google Shape;321;p56"/>
-          <p:cNvSpPr txBox="1"/>
-          <p:nvPr>
-            <p:ph type="title"/>
-          </p:nvPr>
-        </p:nvSpPr>
-        <p:spPr>
-          <a:xfrm>
-            <a:off x="311700" y="445025"/>
-            <a:ext cx="8520600" cy="572700"/>
-          </a:xfrm>
-          <a:prstGeom prst="rect">
-            <a:avLst/>
-          </a:prstGeom>
-        </p:spPr>
-        <p:txBody>
-          <a:bodyPr anchorCtr="0" anchor="t" bIns="91425" lIns="91425" spcFirstLastPara="1" rIns="91425" wrap="square" tIns="91425">
-            <a:noAutofit/>
-          </a:bodyPr>
-          <a:lstStyle/>
-          <a:p>
-            <a:pPr indent="0" lvl="0" marL="0" rtl="0" algn="l">
-              <a:spcBef>
-                <a:spcPts val="0"/>
-              </a:spcBef>
-              <a:spcAft>
-                <a:spcPts val="0"/>
-              </a:spcAft>
-              <a:buNone/>
-            </a:pPr>
-            <a:r>
-              <a:rPr lang="en"/>
-              <a:t>Audience Engagement</a:t>
-            </a:r>
-            <a:endParaRPr/>
-          </a:p>
-        </p:txBody>
-      </p:sp>
-      <p:sp>
-        <p:nvSpPr>
-          <p:cNvPr id="322" name="Google Shape;322;p56"/>
-          <p:cNvSpPr txBox="1"/>
-          <p:nvPr>
-            <p:ph idx="1" type="body"/>
-          </p:nvPr>
-        </p:nvSpPr>
-        <p:spPr>
-          <a:xfrm>
-            <a:off x="311700" y="1152475"/>
-            <a:ext cx="8520600" cy="3416400"/>
-          </a:xfrm>
-          <a:prstGeom prst="rect">
-            <a:avLst/>
-          </a:prstGeom>
-        </p:spPr>
-        <p:txBody>
-          <a:bodyPr anchorCtr="0" anchor="t" bIns="91425" lIns="91425" spcFirstLastPara="1" rIns="91425" wrap="square" tIns="91425">
-            <a:noAutofit/>
-          </a:bodyPr>
-          <a:lstStyle/>
-          <a:p>
-            <a:pPr indent="0" lvl="0" marL="457200" rtl="0" algn="l">
-              <a:lnSpc>
-                <a:spcPct val="200000"/>
-              </a:lnSpc>
-              <a:spcBef>
-                <a:spcPts val="0"/>
-              </a:spcBef>
-              <a:spcAft>
-                <a:spcPts val="0"/>
-              </a:spcAft>
-              <a:buNone/>
-            </a:pPr>
-            <a:r>
-              <a:t/>
-            </a:r>
-            <a:endParaRPr/>
-          </a:p>
-          <a:p>
-            <a:pPr indent="-342900" lvl="0" marL="457200" rtl="0" algn="l">
-              <a:lnSpc>
-                <a:spcPct val="200000"/>
-              </a:lnSpc>
-              <a:spcBef>
-                <a:spcPts val="1600"/>
-              </a:spcBef>
-              <a:spcAft>
-                <a:spcPts val="0"/>
-              </a:spcAft>
-              <a:buSzPts val="1800"/>
-              <a:buChar char="●"/>
-            </a:pPr>
-            <a:r>
-              <a:rPr lang="en"/>
-              <a:t>Building communities</a:t>
-            </a:r>
-            <a:endParaRPr/>
-          </a:p>
-          <a:p>
-            <a:pPr indent="-342900" lvl="0" marL="457200" rtl="0" algn="l">
-              <a:lnSpc>
-                <a:spcPct val="200000"/>
-              </a:lnSpc>
-              <a:spcBef>
-                <a:spcPts val="0"/>
-              </a:spcBef>
-              <a:spcAft>
-                <a:spcPts val="0"/>
-              </a:spcAft>
-              <a:buSzPts val="1800"/>
-              <a:buChar char="●"/>
-            </a:pPr>
-            <a:r>
-              <a:rPr lang="en"/>
-              <a:t>Acquiring audiences</a:t>
-            </a:r>
-            <a:endParaRPr/>
-          </a:p>
-          <a:p>
-            <a:pPr indent="-342900" lvl="0" marL="457200" rtl="0" algn="l">
-              <a:lnSpc>
-                <a:spcPct val="200000"/>
-              </a:lnSpc>
-              <a:spcBef>
-                <a:spcPts val="0"/>
-              </a:spcBef>
-              <a:spcAft>
-                <a:spcPts val="0"/>
-              </a:spcAft>
-              <a:buSzPts val="1800"/>
-              <a:buChar char="●"/>
-            </a:pPr>
-            <a:r>
-              <a:rPr lang="en"/>
-              <a:t>Adding community voices to stories</a:t>
-            </a:r>
-            <a:endParaRPr/>
-          </a:p>
-          <a:p>
-            <a:pPr indent="0" lvl="0" marL="0" rtl="0" algn="l">
-              <a:spcBef>
-                <a:spcPts val="1600"/>
-              </a:spcBef>
-              <a:spcAft>
-                <a:spcPts val="0"/>
-              </a:spcAft>
-              <a:buNone/>
-            </a:pPr>
-            <a:r>
-              <a:t/>
-            </a:r>
-            <a:endParaRPr/>
-          </a:p>
-          <a:p>
-            <a:pPr indent="0" lvl="0" marL="0" rtl="0" algn="l">
-              <a:spcBef>
-                <a:spcPts val="1600"/>
-              </a:spcBef>
-              <a:spcAft>
-                <a:spcPts val="1600"/>
-              </a:spcAft>
-              <a:buNone/>
-            </a:pPr>
-            <a:r>
-              <a:t/>
-            </a:r>
-            <a:endParaRPr/>
-          </a:p>
-        </p:txBody>
-      </p:sp>
-    </p:spTree>
-  </p:cSld>
-  <p:clrMapOvr>
-    <a:masterClrMapping/>
-  </p:clrMapOvr>
-</p:sld>
-</file>
-
-<file path=ppt/slides/slide45.xml><?xml version="1.0" encoding="utf-8"?>
-<p:sld xmlns:a="http://schemas.openxmlformats.org/drawingml/2006/main" xmlns:r="http://schemas.openxmlformats.org/officeDocument/2006/relationships" xmlns:mc="http://schemas.openxmlformats.org/markup-compatibility/2006" xmlns:mv="urn:schemas-microsoft-com:mac:vml" xmlns:p="http://schemas.openxmlformats.org/presentationml/2006/main" xmlns:c="http://schemas.openxmlformats.org/drawingml/2006/chart" xmlns:dgm="http://schemas.openxmlformats.org/drawingml/2006/diagram" xmlns:o="urn:schemas-microsoft-com:office:office" xmlns:v="urn:schemas-microsoft-com:vml" xmlns:pvml="urn:schemas-microsoft-com:office:powerpoint" xmlns:com="http://schemas.openxmlformats.org/drawingml/2006/compatibility" xmlns:p14="http://schemas.microsoft.com/office/powerpoint/2010/main" xmlns:p15="http://schemas.microsoft.com/office/powerpoint/2012/main" xmlns:ahyp="http://schemas.microsoft.com/office/drawing/2018/hyperlinkcolor">
-  <p:cSld>
-    <p:spTree>
-      <p:nvGrpSpPr>
-        <p:cNvPr id="326" name="Shape 326"/>
-        <p:cNvGrpSpPr/>
-        <p:nvPr/>
-      </p:nvGrpSpPr>
-      <p:grpSpPr>
-        <a:xfrm>
-          <a:off x="0" y="0"/>
-          <a:ext cx="0" cy="0"/>
-          <a:chOff x="0" y="0"/>
-          <a:chExt cx="0" cy="0"/>
-        </a:xfrm>
-      </p:grpSpPr>
-      <p:sp>
-        <p:nvSpPr>
-          <p:cNvPr id="327" name="Google Shape;327;p57"/>
-          <p:cNvSpPr txBox="1"/>
-          <p:nvPr>
-            <p:ph type="title"/>
-          </p:nvPr>
-        </p:nvSpPr>
-        <p:spPr>
-          <a:xfrm>
-            <a:off x="311700" y="445025"/>
-            <a:ext cx="8520600" cy="572700"/>
-          </a:xfrm>
-          <a:prstGeom prst="rect">
-            <a:avLst/>
-          </a:prstGeom>
-        </p:spPr>
-        <p:txBody>
-          <a:bodyPr anchorCtr="0" anchor="t" bIns="91425" lIns="91425" spcFirstLastPara="1" rIns="91425" wrap="square" tIns="91425">
-            <a:noAutofit/>
-          </a:bodyPr>
-          <a:lstStyle/>
-          <a:p>
-            <a:pPr indent="0" lvl="0" marL="0" rtl="0" algn="l">
-              <a:spcBef>
-                <a:spcPts val="0"/>
-              </a:spcBef>
-              <a:spcAft>
-                <a:spcPts val="0"/>
-              </a:spcAft>
-              <a:buNone/>
-            </a:pPr>
-            <a:r>
-              <a:rPr lang="en"/>
-              <a:t>Why audience engagement matters</a:t>
-            </a:r>
-            <a:endParaRPr/>
-          </a:p>
-        </p:txBody>
-      </p:sp>
-      <p:sp>
-        <p:nvSpPr>
-          <p:cNvPr id="328" name="Google Shape;328;p57"/>
-          <p:cNvSpPr txBox="1"/>
-          <p:nvPr>
-            <p:ph idx="1" type="body"/>
-          </p:nvPr>
-        </p:nvSpPr>
-        <p:spPr>
-          <a:xfrm>
-            <a:off x="311700" y="1152475"/>
-            <a:ext cx="8520600" cy="3416400"/>
-          </a:xfrm>
-          <a:prstGeom prst="rect">
-            <a:avLst/>
-          </a:prstGeom>
-        </p:spPr>
-        <p:txBody>
-          <a:bodyPr anchorCtr="0" anchor="t" bIns="91425" lIns="91425" spcFirstLastPara="1" rIns="91425" wrap="square" tIns="91425">
-            <a:noAutofit/>
-          </a:bodyPr>
-          <a:lstStyle/>
-          <a:p>
-            <a:pPr indent="0" lvl="0" marL="0" rtl="0" algn="l">
-              <a:spcBef>
-                <a:spcPts val="0"/>
-              </a:spcBef>
-              <a:spcAft>
-                <a:spcPts val="0"/>
-              </a:spcAft>
-              <a:buNone/>
-            </a:pPr>
-            <a:r>
-              <a:t/>
-            </a:r>
-            <a:endParaRPr/>
-          </a:p>
-          <a:p>
-            <a:pPr indent="-342900" lvl="0" marL="457200" rtl="0" algn="l">
-              <a:spcBef>
-                <a:spcPts val="1600"/>
-              </a:spcBef>
-              <a:spcAft>
-                <a:spcPts val="0"/>
-              </a:spcAft>
-              <a:buSzPts val="1800"/>
-              <a:buChar char="●"/>
-            </a:pPr>
-            <a:r>
-              <a:rPr lang="en"/>
-              <a:t>It builds trust between the audience and the journalist or news organization</a:t>
-            </a:r>
-            <a:endParaRPr/>
-          </a:p>
-          <a:p>
-            <a:pPr indent="-317500" lvl="1" marL="914400" rtl="0" algn="l">
-              <a:lnSpc>
-                <a:spcPct val="200000"/>
-              </a:lnSpc>
-              <a:spcBef>
-                <a:spcPts val="0"/>
-              </a:spcBef>
-              <a:spcAft>
-                <a:spcPts val="0"/>
-              </a:spcAft>
-              <a:buSzPts val="1400"/>
-              <a:buChar char="○"/>
-            </a:pPr>
-            <a:r>
-              <a:rPr lang="en"/>
-              <a:t>It prevents us from being faceless disseminators of information</a:t>
-            </a:r>
-            <a:endParaRPr/>
-          </a:p>
-          <a:p>
-            <a:pPr indent="0" lvl="0" marL="0" rtl="0" algn="l">
-              <a:lnSpc>
-                <a:spcPct val="200000"/>
-              </a:lnSpc>
-              <a:spcBef>
-                <a:spcPts val="1600"/>
-              </a:spcBef>
-              <a:spcAft>
-                <a:spcPts val="0"/>
-              </a:spcAft>
-              <a:buNone/>
-            </a:pPr>
-            <a:r>
-              <a:t/>
-            </a:r>
-            <a:endParaRPr/>
-          </a:p>
-          <a:p>
-            <a:pPr indent="-342900" lvl="0" marL="457200" rtl="0" algn="l">
-              <a:spcBef>
-                <a:spcPts val="1600"/>
-              </a:spcBef>
-              <a:spcAft>
-                <a:spcPts val="0"/>
-              </a:spcAft>
-              <a:buSzPts val="1800"/>
-              <a:buChar char="●"/>
-            </a:pPr>
-            <a:r>
-              <a:rPr lang="en"/>
-              <a:t>More transparency</a:t>
-            </a:r>
-            <a:endParaRPr/>
-          </a:p>
-          <a:p>
-            <a:pPr indent="-317500" lvl="1" marL="914400" rtl="0" algn="l">
-              <a:spcBef>
-                <a:spcPts val="0"/>
-              </a:spcBef>
-              <a:spcAft>
-                <a:spcPts val="0"/>
-              </a:spcAft>
-              <a:buSzPts val="1400"/>
-              <a:buChar char="○"/>
-            </a:pPr>
-            <a:r>
-              <a:rPr lang="en"/>
-              <a:t>Can show how we get stories</a:t>
-            </a:r>
-            <a:endParaRPr/>
-          </a:p>
-          <a:p>
-            <a:pPr indent="-317500" lvl="2" marL="1371600" rtl="0" algn="l">
-              <a:lnSpc>
-                <a:spcPct val="200000"/>
-              </a:lnSpc>
-              <a:spcBef>
-                <a:spcPts val="0"/>
-              </a:spcBef>
-              <a:spcAft>
-                <a:spcPts val="0"/>
-              </a:spcAft>
-              <a:buSzPts val="1400"/>
-              <a:buChar char="■"/>
-            </a:pPr>
-            <a:r>
-              <a:rPr lang="en"/>
-              <a:t>NYT’s “The Daily” podcast is an exercise in engagement!</a:t>
-            </a:r>
-            <a:endParaRPr/>
-          </a:p>
-          <a:p>
-            <a:pPr indent="0" lvl="0" marL="0" rtl="0" algn="l">
-              <a:spcBef>
-                <a:spcPts val="1600"/>
-              </a:spcBef>
-              <a:spcAft>
-                <a:spcPts val="0"/>
-              </a:spcAft>
-              <a:buNone/>
-            </a:pPr>
-            <a:r>
-              <a:t/>
-            </a:r>
-            <a:endParaRPr/>
-          </a:p>
-          <a:p>
-            <a:pPr indent="0" lvl="0" marL="0" rtl="0" algn="l">
-              <a:spcBef>
-                <a:spcPts val="1600"/>
-              </a:spcBef>
-              <a:spcAft>
-                <a:spcPts val="1600"/>
-              </a:spcAft>
-              <a:buNone/>
-            </a:pPr>
-            <a:r>
-              <a:t/>
-            </a:r>
-            <a:endParaRPr/>
-          </a:p>
-        </p:txBody>
-      </p:sp>
-    </p:spTree>
-  </p:cSld>
-  <p:clrMapOvr>
-    <a:masterClrMapping/>
-  </p:clrMapOvr>
-</p:sld>
-</file>
-
-<file path=ppt/slides/slide46.xml><?xml version="1.0" encoding="utf-8"?>
-<p:sld xmlns:a="http://schemas.openxmlformats.org/drawingml/2006/main" xmlns:r="http://schemas.openxmlformats.org/officeDocument/2006/relationships" xmlns:mc="http://schemas.openxmlformats.org/markup-compatibility/2006" xmlns:mv="urn:schemas-microsoft-com:mac:vml" xmlns:p="http://schemas.openxmlformats.org/presentationml/2006/main" xmlns:c="http://schemas.openxmlformats.org/drawingml/2006/chart" xmlns:dgm="http://schemas.openxmlformats.org/drawingml/2006/diagram" xmlns:o="urn:schemas-microsoft-com:office:office" xmlns:v="urn:schemas-microsoft-com:vml" xmlns:pvml="urn:schemas-microsoft-com:office:powerpoint" xmlns:com="http://schemas.openxmlformats.org/drawingml/2006/compatibility" xmlns:p14="http://schemas.microsoft.com/office/powerpoint/2010/main" xmlns:p15="http://schemas.microsoft.com/office/powerpoint/2012/main" xmlns:ahyp="http://schemas.microsoft.com/office/drawing/2018/hyperlinkcolor">
-  <p:cSld>
-    <p:spTree>
-      <p:nvGrpSpPr>
-        <p:cNvPr id="332" name="Shape 332"/>
-        <p:cNvGrpSpPr/>
-        <p:nvPr/>
-      </p:nvGrpSpPr>
-      <p:grpSpPr>
-        <a:xfrm>
-          <a:off x="0" y="0"/>
-          <a:ext cx="0" cy="0"/>
-          <a:chOff x="0" y="0"/>
-          <a:chExt cx="0" cy="0"/>
-        </a:xfrm>
-      </p:grpSpPr>
-      <p:sp>
-        <p:nvSpPr>
-          <p:cNvPr id="333" name="Google Shape;333;p58"/>
-          <p:cNvSpPr txBox="1"/>
-          <p:nvPr>
-            <p:ph type="title"/>
-          </p:nvPr>
-        </p:nvSpPr>
-        <p:spPr>
-          <a:xfrm>
-            <a:off x="311700" y="445025"/>
-            <a:ext cx="8520600" cy="572700"/>
-          </a:xfrm>
-          <a:prstGeom prst="rect">
-            <a:avLst/>
-          </a:prstGeom>
-        </p:spPr>
-        <p:txBody>
-          <a:bodyPr anchorCtr="0" anchor="t" bIns="91425" lIns="91425" spcFirstLastPara="1" rIns="91425" wrap="square" tIns="91425">
-            <a:noAutofit/>
-          </a:bodyPr>
-          <a:lstStyle/>
-          <a:p>
-            <a:pPr indent="0" lvl="0" marL="0" rtl="0" algn="l">
-              <a:spcBef>
-                <a:spcPts val="0"/>
-              </a:spcBef>
-              <a:spcAft>
-                <a:spcPts val="0"/>
-              </a:spcAft>
-              <a:buNone/>
-            </a:pPr>
-            <a:r>
-              <a:rPr lang="en"/>
-              <a:t>Why audience engagement matters</a:t>
-            </a:r>
-            <a:endParaRPr/>
-          </a:p>
-        </p:txBody>
-      </p:sp>
-      <p:sp>
-        <p:nvSpPr>
-          <p:cNvPr id="334" name="Google Shape;334;p58"/>
-          <p:cNvSpPr txBox="1"/>
-          <p:nvPr>
-            <p:ph idx="1" type="body"/>
-          </p:nvPr>
-        </p:nvSpPr>
-        <p:spPr>
-          <a:xfrm>
-            <a:off x="311700" y="1152475"/>
-            <a:ext cx="8520600" cy="3416400"/>
-          </a:xfrm>
-          <a:prstGeom prst="rect">
-            <a:avLst/>
-          </a:prstGeom>
-        </p:spPr>
-        <p:txBody>
-          <a:bodyPr anchorCtr="0" anchor="t" bIns="91425" lIns="91425" spcFirstLastPara="1" rIns="91425" wrap="square" tIns="91425">
-            <a:noAutofit/>
-          </a:bodyPr>
-          <a:lstStyle/>
-          <a:p>
-            <a:pPr indent="0" lvl="0" marL="0" rtl="0" algn="l">
-              <a:lnSpc>
-                <a:spcPct val="200000"/>
-              </a:lnSpc>
-              <a:spcBef>
-                <a:spcPts val="0"/>
-              </a:spcBef>
-              <a:spcAft>
-                <a:spcPts val="0"/>
-              </a:spcAft>
-              <a:buNone/>
-            </a:pPr>
-            <a:r>
-              <a:t/>
-            </a:r>
-            <a:endParaRPr/>
-          </a:p>
-          <a:p>
-            <a:pPr indent="-342900" lvl="0" marL="457200" rtl="0" algn="l">
-              <a:lnSpc>
-                <a:spcPct val="200000"/>
-              </a:lnSpc>
-              <a:spcBef>
-                <a:spcPts val="1600"/>
-              </a:spcBef>
-              <a:spcAft>
-                <a:spcPts val="0"/>
-              </a:spcAft>
-              <a:buSzPts val="1800"/>
-              <a:buChar char="●"/>
-            </a:pPr>
-            <a:r>
-              <a:rPr lang="en"/>
-              <a:t>Allows many voices to contribute to stories</a:t>
-            </a:r>
-            <a:endParaRPr/>
-          </a:p>
-          <a:p>
-            <a:pPr indent="0" lvl="0" marL="0" rtl="0" algn="l">
-              <a:lnSpc>
-                <a:spcPct val="200000"/>
-              </a:lnSpc>
-              <a:spcBef>
-                <a:spcPts val="1600"/>
-              </a:spcBef>
-              <a:spcAft>
-                <a:spcPts val="0"/>
-              </a:spcAft>
-              <a:buNone/>
-            </a:pPr>
-            <a:r>
-              <a:t/>
-            </a:r>
-            <a:endParaRPr/>
-          </a:p>
-          <a:p>
-            <a:pPr indent="-342900" lvl="0" marL="457200" rtl="0" algn="l">
-              <a:spcBef>
-                <a:spcPts val="1600"/>
-              </a:spcBef>
-              <a:spcAft>
-                <a:spcPts val="0"/>
-              </a:spcAft>
-              <a:buSzPts val="1800"/>
-              <a:buChar char="●"/>
-            </a:pPr>
-            <a:r>
-              <a:rPr lang="en"/>
-              <a:t>Drives traffic/readership/viewership</a:t>
-            </a:r>
-            <a:endParaRPr/>
-          </a:p>
-        </p:txBody>
-      </p:sp>
-    </p:spTree>
-  </p:cSld>
-  <p:clrMapOvr>
-    <a:masterClrMapping/>
-  </p:clrMapOvr>
-</p:sld>
-</file>
-
-<file path=ppt/slides/slide47.xml><?xml version="1.0" encoding="utf-8"?>
-<p:sld xmlns:a="http://schemas.openxmlformats.org/drawingml/2006/main" xmlns:r="http://schemas.openxmlformats.org/officeDocument/2006/relationships" xmlns:mc="http://schemas.openxmlformats.org/markup-compatibility/2006" xmlns:mv="urn:schemas-microsoft-com:mac:vml" xmlns:p="http://schemas.openxmlformats.org/presentationml/2006/main" xmlns:c="http://schemas.openxmlformats.org/drawingml/2006/chart" xmlns:dgm="http://schemas.openxmlformats.org/drawingml/2006/diagram" xmlns:o="urn:schemas-microsoft-com:office:office" xmlns:v="urn:schemas-microsoft-com:vml" xmlns:pvml="urn:schemas-microsoft-com:office:powerpoint" xmlns:com="http://schemas.openxmlformats.org/drawingml/2006/compatibility" xmlns:p14="http://schemas.microsoft.com/office/powerpoint/2010/main" xmlns:p15="http://schemas.microsoft.com/office/powerpoint/2012/main" xmlns:ahyp="http://schemas.microsoft.com/office/drawing/2018/hyperlinkcolor">
-  <p:cSld>
-    <p:spTree>
-      <p:nvGrpSpPr>
-        <p:cNvPr id="338" name="Shape 338"/>
-        <p:cNvGrpSpPr/>
-        <p:nvPr/>
-      </p:nvGrpSpPr>
-      <p:grpSpPr>
-        <a:xfrm>
-          <a:off x="0" y="0"/>
-          <a:ext cx="0" cy="0"/>
-          <a:chOff x="0" y="0"/>
-          <a:chExt cx="0" cy="0"/>
-        </a:xfrm>
-      </p:grpSpPr>
-      <p:sp>
-        <p:nvSpPr>
-          <p:cNvPr id="339" name="Google Shape;339;p59"/>
-          <p:cNvSpPr txBox="1"/>
-          <p:nvPr>
-            <p:ph type="title"/>
-          </p:nvPr>
-        </p:nvSpPr>
-        <p:spPr>
-          <a:xfrm>
-            <a:off x="490250" y="526350"/>
-            <a:ext cx="5797500" cy="4090800"/>
-          </a:xfrm>
-          <a:prstGeom prst="rect">
-            <a:avLst/>
-          </a:prstGeom>
-        </p:spPr>
-        <p:txBody>
-          <a:bodyPr anchorCtr="0" anchor="ctr" bIns="91425" lIns="91425" spcFirstLastPara="1" rIns="91425" wrap="square" tIns="91425">
-            <a:noAutofit/>
-          </a:bodyPr>
-          <a:lstStyle/>
-          <a:p>
-            <a:pPr indent="0" lvl="0" marL="0" rtl="0" algn="l">
-              <a:spcBef>
-                <a:spcPts val="0"/>
-              </a:spcBef>
-              <a:spcAft>
-                <a:spcPts val="0"/>
-              </a:spcAft>
-              <a:buNone/>
-            </a:pPr>
-            <a:r>
-              <a:rPr lang="en"/>
-              <a:t>Ways to engage</a:t>
-            </a:r>
-            <a:endParaRPr/>
-          </a:p>
-        </p:txBody>
-      </p:sp>
-    </p:spTree>
-  </p:cSld>
-  <p:clrMapOvr>
-    <a:masterClrMapping/>
-  </p:clrMapOvr>
-</p:sld>
-</file>
-
-<file path=ppt/slides/slide48.xml><?xml version="1.0" encoding="utf-8"?>
-<p:sld xmlns:a="http://schemas.openxmlformats.org/drawingml/2006/main" xmlns:r="http://schemas.openxmlformats.org/officeDocument/2006/relationships" xmlns:mc="http://schemas.openxmlformats.org/markup-compatibility/2006" xmlns:mv="urn:schemas-microsoft-com:mac:vml" xmlns:p="http://schemas.openxmlformats.org/presentationml/2006/main" xmlns:c="http://schemas.openxmlformats.org/drawingml/2006/chart" xmlns:dgm="http://schemas.openxmlformats.org/drawingml/2006/diagram" xmlns:o="urn:schemas-microsoft-com:office:office" xmlns:v="urn:schemas-microsoft-com:vml" xmlns:pvml="urn:schemas-microsoft-com:office:powerpoint" xmlns:com="http://schemas.openxmlformats.org/drawingml/2006/compatibility" xmlns:p14="http://schemas.microsoft.com/office/powerpoint/2010/main" xmlns:p15="http://schemas.microsoft.com/office/powerpoint/2012/main" xmlns:ahyp="http://schemas.microsoft.com/office/drawing/2018/hyperlinkcolor">
-  <p:cSld>
-    <p:spTree>
-      <p:nvGrpSpPr>
-        <p:cNvPr id="343" name="Shape 343"/>
-        <p:cNvGrpSpPr/>
-        <p:nvPr/>
-      </p:nvGrpSpPr>
-      <p:grpSpPr>
-        <a:xfrm>
-          <a:off x="0" y="0"/>
-          <a:ext cx="0" cy="0"/>
-          <a:chOff x="0" y="0"/>
-          <a:chExt cx="0" cy="0"/>
-        </a:xfrm>
-      </p:grpSpPr>
-      <p:sp>
-        <p:nvSpPr>
-          <p:cNvPr id="344" name="Google Shape;344;p60"/>
-          <p:cNvSpPr txBox="1"/>
-          <p:nvPr>
-            <p:ph type="title"/>
-          </p:nvPr>
-        </p:nvSpPr>
-        <p:spPr>
-          <a:xfrm>
-            <a:off x="311700" y="445025"/>
-            <a:ext cx="8520600" cy="572700"/>
-          </a:xfrm>
-          <a:prstGeom prst="rect">
-            <a:avLst/>
-          </a:prstGeom>
-        </p:spPr>
-        <p:txBody>
-          <a:bodyPr anchorCtr="0" anchor="t" bIns="91425" lIns="91425" spcFirstLastPara="1" rIns="91425" wrap="square" tIns="91425">
-            <a:noAutofit/>
-          </a:bodyPr>
-          <a:lstStyle/>
-          <a:p>
-            <a:pPr indent="0" lvl="0" marL="0" rtl="0" algn="l">
-              <a:spcBef>
-                <a:spcPts val="0"/>
-              </a:spcBef>
-              <a:spcAft>
-                <a:spcPts val="0"/>
-              </a:spcAft>
-              <a:buNone/>
-            </a:pPr>
-            <a:r>
-              <a:rPr lang="en"/>
-              <a:t>Newsletters</a:t>
-            </a:r>
-            <a:endParaRPr/>
-          </a:p>
-        </p:txBody>
-      </p:sp>
-      <p:sp>
-        <p:nvSpPr>
-          <p:cNvPr id="345" name="Google Shape;345;p60"/>
-          <p:cNvSpPr txBox="1"/>
-          <p:nvPr>
-            <p:ph idx="1" type="body"/>
-          </p:nvPr>
-        </p:nvSpPr>
-        <p:spPr>
-          <a:xfrm>
-            <a:off x="311700" y="1152475"/>
-            <a:ext cx="4260300" cy="3416400"/>
-          </a:xfrm>
-          <a:prstGeom prst="rect">
-            <a:avLst/>
-          </a:prstGeom>
-        </p:spPr>
-        <p:txBody>
-          <a:bodyPr anchorCtr="0" anchor="t" bIns="91425" lIns="91425" spcFirstLastPara="1" rIns="91425" wrap="square" tIns="91425">
-            <a:noAutofit/>
-          </a:bodyPr>
-          <a:lstStyle/>
-          <a:p>
-            <a:pPr indent="-342900" lvl="0" marL="457200" rtl="0" algn="l">
-              <a:spcBef>
-                <a:spcPts val="0"/>
-              </a:spcBef>
-              <a:spcAft>
-                <a:spcPts val="0"/>
-              </a:spcAft>
-              <a:buSzPts val="1800"/>
-              <a:buChar char="●"/>
-            </a:pPr>
-            <a:r>
-              <a:rPr lang="en"/>
-              <a:t>These can be regular (NYT’s Evening Briefing, Baltimore Sun’s Maryland Policy &amp; Politics, etc.)</a:t>
-            </a:r>
-            <a:endParaRPr/>
-          </a:p>
-          <a:p>
-            <a:pPr indent="0" lvl="0" marL="0" rtl="0" algn="l">
-              <a:spcBef>
-                <a:spcPts val="1600"/>
-              </a:spcBef>
-              <a:spcAft>
-                <a:spcPts val="0"/>
-              </a:spcAft>
-              <a:buNone/>
-            </a:pPr>
-            <a:r>
-              <a:t/>
-            </a:r>
-            <a:endParaRPr/>
-          </a:p>
-          <a:p>
-            <a:pPr indent="-342900" lvl="0" marL="457200" rtl="0" algn="l">
-              <a:spcBef>
-                <a:spcPts val="1600"/>
-              </a:spcBef>
-              <a:spcAft>
-                <a:spcPts val="0"/>
-              </a:spcAft>
-              <a:buSzPts val="1800"/>
-              <a:buChar char="●"/>
-            </a:pPr>
-            <a:r>
-              <a:rPr lang="en"/>
-              <a:t>Or they can be special, built around a project or news topic</a:t>
-            </a:r>
-            <a:endParaRPr/>
-          </a:p>
-          <a:p>
-            <a:pPr indent="-317500" lvl="1" marL="914400" rtl="0" algn="l">
-              <a:spcBef>
-                <a:spcPts val="0"/>
-              </a:spcBef>
-              <a:spcAft>
-                <a:spcPts val="0"/>
-              </a:spcAft>
-              <a:buSzPts val="1400"/>
-              <a:buChar char="○"/>
-            </a:pPr>
-            <a:r>
-              <a:rPr lang="en"/>
-              <a:t>Ex: NYT’s Coronavirus Schools Briefing was launched as a result of social listening</a:t>
-            </a:r>
-            <a:endParaRPr/>
-          </a:p>
-          <a:p>
-            <a:pPr indent="0" lvl="0" marL="0" rtl="0" algn="l">
-              <a:spcBef>
-                <a:spcPts val="1600"/>
-              </a:spcBef>
-              <a:spcAft>
-                <a:spcPts val="1600"/>
-              </a:spcAft>
-              <a:buNone/>
-            </a:pPr>
-            <a:r>
-              <a:t/>
-            </a:r>
-            <a:endParaRPr/>
-          </a:p>
-        </p:txBody>
-      </p:sp>
-      <p:pic>
-        <p:nvPicPr>
-          <p:cNvPr id="346" name="Google Shape;346;p60"/>
-          <p:cNvPicPr preferRelativeResize="0"/>
-          <p:nvPr/>
-        </p:nvPicPr>
-        <p:blipFill>
-          <a:blip r:embed="rId3">
-            <a:alphaModFix/>
-          </a:blip>
-          <a:stretch>
-            <a:fillRect/>
-          </a:stretch>
-        </p:blipFill>
-        <p:spPr>
-          <a:xfrm>
-            <a:off x="5910200" y="445025"/>
-            <a:ext cx="2922100" cy="4416825"/>
-          </a:xfrm>
-          <a:prstGeom prst="rect">
-            <a:avLst/>
-          </a:prstGeom>
-          <a:noFill/>
-          <a:ln>
-            <a:noFill/>
-          </a:ln>
-        </p:spPr>
-      </p:pic>
-    </p:spTree>
-  </p:cSld>
-  <p:clrMapOvr>
-    <a:masterClrMapping/>
-  </p:clrMapOvr>
-</p:sld>
-</file>
-
-<file path=ppt/slides/slide49.xml><?xml version="1.0" encoding="utf-8"?>
-<p:sld xmlns:a="http://schemas.openxmlformats.org/drawingml/2006/main" xmlns:r="http://schemas.openxmlformats.org/officeDocument/2006/relationships" xmlns:mc="http://schemas.openxmlformats.org/markup-compatibility/2006" xmlns:mv="urn:schemas-microsoft-com:mac:vml" xmlns:p="http://schemas.openxmlformats.org/presentationml/2006/main" xmlns:c="http://schemas.openxmlformats.org/drawingml/2006/chart" xmlns:dgm="http://schemas.openxmlformats.org/drawingml/2006/diagram" xmlns:o="urn:schemas-microsoft-com:office:office" xmlns:v="urn:schemas-microsoft-com:vml" xmlns:pvml="urn:schemas-microsoft-com:office:powerpoint" xmlns:com="http://schemas.openxmlformats.org/drawingml/2006/compatibility" xmlns:p14="http://schemas.microsoft.com/office/powerpoint/2010/main" xmlns:p15="http://schemas.microsoft.com/office/powerpoint/2012/main" xmlns:ahyp="http://schemas.microsoft.com/office/drawing/2018/hyperlinkcolor">
-  <p:cSld>
-    <p:spTree>
-      <p:nvGrpSpPr>
-        <p:cNvPr id="350" name="Shape 350"/>
-        <p:cNvGrpSpPr/>
-        <p:nvPr/>
-      </p:nvGrpSpPr>
-      <p:grpSpPr>
-        <a:xfrm>
-          <a:off x="0" y="0"/>
-          <a:ext cx="0" cy="0"/>
-          <a:chOff x="0" y="0"/>
-          <a:chExt cx="0" cy="0"/>
-        </a:xfrm>
-      </p:grpSpPr>
-      <p:sp>
-        <p:nvSpPr>
-          <p:cNvPr id="351" name="Google Shape;351;p61"/>
-          <p:cNvSpPr txBox="1"/>
-          <p:nvPr>
-            <p:ph type="title"/>
-          </p:nvPr>
-        </p:nvSpPr>
-        <p:spPr>
-          <a:xfrm>
-            <a:off x="311700" y="445025"/>
-            <a:ext cx="8520600" cy="572700"/>
-          </a:xfrm>
-          <a:prstGeom prst="rect">
-            <a:avLst/>
-          </a:prstGeom>
-        </p:spPr>
-        <p:txBody>
-          <a:bodyPr anchorCtr="0" anchor="t" bIns="91425" lIns="91425" spcFirstLastPara="1" rIns="91425" wrap="square" tIns="91425">
-            <a:noAutofit/>
-          </a:bodyPr>
-          <a:lstStyle/>
-          <a:p>
-            <a:pPr indent="0" lvl="0" marL="0" rtl="0" algn="l">
-              <a:spcBef>
-                <a:spcPts val="0"/>
-              </a:spcBef>
-              <a:spcAft>
-                <a:spcPts val="0"/>
-              </a:spcAft>
-              <a:buNone/>
-            </a:pPr>
-            <a:r>
-              <a:rPr lang="en"/>
-              <a:t>Facebook Groups</a:t>
-            </a:r>
-            <a:endParaRPr/>
-          </a:p>
-        </p:txBody>
-      </p:sp>
-      <p:sp>
-        <p:nvSpPr>
-          <p:cNvPr id="352" name="Google Shape;352;p61"/>
-          <p:cNvSpPr txBox="1"/>
-          <p:nvPr>
-            <p:ph idx="1" type="body"/>
-          </p:nvPr>
-        </p:nvSpPr>
-        <p:spPr>
-          <a:xfrm>
-            <a:off x="311700" y="1152475"/>
-            <a:ext cx="4260300" cy="3416400"/>
-          </a:xfrm>
-          <a:prstGeom prst="rect">
-            <a:avLst/>
-          </a:prstGeom>
-        </p:spPr>
-        <p:txBody>
-          <a:bodyPr anchorCtr="0" anchor="t" bIns="91425" lIns="91425" spcFirstLastPara="1" rIns="91425" wrap="square" tIns="91425">
-            <a:noAutofit/>
-          </a:bodyPr>
-          <a:lstStyle/>
-          <a:p>
-            <a:pPr indent="-342900" lvl="0" marL="457200" rtl="0" algn="l">
-              <a:spcBef>
-                <a:spcPts val="0"/>
-              </a:spcBef>
-              <a:spcAft>
-                <a:spcPts val="0"/>
-              </a:spcAft>
-              <a:buSzPts val="1800"/>
-              <a:buChar char="●"/>
-            </a:pPr>
-            <a:r>
-              <a:rPr lang="en"/>
-              <a:t>Create these to foster community</a:t>
-            </a:r>
-            <a:endParaRPr/>
-          </a:p>
-          <a:p>
-            <a:pPr indent="0" lvl="0" marL="0" rtl="0" algn="l">
-              <a:spcBef>
-                <a:spcPts val="1600"/>
-              </a:spcBef>
-              <a:spcAft>
-                <a:spcPts val="0"/>
-              </a:spcAft>
-              <a:buNone/>
-            </a:pPr>
-            <a:r>
-              <a:t/>
-            </a:r>
-            <a:endParaRPr/>
-          </a:p>
-          <a:p>
-            <a:pPr indent="-342900" lvl="0" marL="457200" rtl="0" algn="l">
-              <a:spcBef>
-                <a:spcPts val="1600"/>
-              </a:spcBef>
-              <a:spcAft>
-                <a:spcPts val="0"/>
-              </a:spcAft>
-              <a:buSzPts val="1800"/>
-              <a:buChar char="●"/>
-            </a:pPr>
-            <a:r>
-              <a:rPr lang="en"/>
-              <a:t>Get the audience talking about things they care about</a:t>
-            </a:r>
-            <a:endParaRPr/>
-          </a:p>
-          <a:p>
-            <a:pPr indent="-317500" lvl="1" marL="914400" rtl="0" algn="l">
-              <a:spcBef>
-                <a:spcPts val="0"/>
-              </a:spcBef>
-              <a:spcAft>
-                <a:spcPts val="0"/>
-              </a:spcAft>
-              <a:buSzPts val="1400"/>
-              <a:buChar char="○"/>
-            </a:pPr>
-            <a:r>
-              <a:rPr lang="en"/>
-              <a:t>These should be the things news organizations care about, too!</a:t>
-            </a:r>
-            <a:endParaRPr/>
-          </a:p>
-          <a:p>
-            <a:pPr indent="0" lvl="0" marL="0" rtl="0" algn="l">
-              <a:spcBef>
-                <a:spcPts val="1600"/>
-              </a:spcBef>
-              <a:spcAft>
-                <a:spcPts val="0"/>
-              </a:spcAft>
-              <a:buNone/>
-            </a:pPr>
-            <a:r>
-              <a:t/>
-            </a:r>
-            <a:endParaRPr/>
-          </a:p>
-          <a:p>
-            <a:pPr indent="-342900" lvl="0" marL="457200" rtl="0" algn="l">
-              <a:spcBef>
-                <a:spcPts val="1600"/>
-              </a:spcBef>
-              <a:spcAft>
-                <a:spcPts val="0"/>
-              </a:spcAft>
-              <a:buSzPts val="1800"/>
-              <a:buChar char="●"/>
-            </a:pPr>
-            <a:r>
-              <a:rPr lang="en"/>
-              <a:t>Get story ideas or find sources</a:t>
-            </a:r>
-            <a:endParaRPr/>
-          </a:p>
-        </p:txBody>
-      </p:sp>
-      <p:pic>
-        <p:nvPicPr>
-          <p:cNvPr id="353" name="Google Shape;353;p61"/>
-          <p:cNvPicPr preferRelativeResize="0"/>
-          <p:nvPr/>
-        </p:nvPicPr>
-        <p:blipFill>
-          <a:blip r:embed="rId3">
-            <a:alphaModFix/>
-          </a:blip>
-          <a:stretch>
-            <a:fillRect/>
-          </a:stretch>
-        </p:blipFill>
-        <p:spPr>
-          <a:xfrm>
-            <a:off x="4663650" y="918575"/>
-            <a:ext cx="4168649" cy="3306349"/>
-          </a:xfrm>
-          <a:prstGeom prst="rect">
-            <a:avLst/>
-          </a:prstGeom>
-          <a:noFill/>
-          <a:ln>
-            <a:noFill/>
-          </a:ln>
-        </p:spPr>
-      </p:pic>
     </p:spTree>
   </p:cSld>
   <p:clrMapOvr>
@@ -19529,1000 +16999,6 @@
               <a:t>Understand questions the audience is asking</a:t>
             </a:r>
             <a:endParaRPr/>
-          </a:p>
-        </p:txBody>
-      </p:sp>
-    </p:spTree>
-  </p:cSld>
-  <p:clrMapOvr>
-    <a:masterClrMapping/>
-  </p:clrMapOvr>
-</p:sld>
-</file>
-
-<file path=ppt/slides/slide50.xml><?xml version="1.0" encoding="utf-8"?>
-<p:sld xmlns:a="http://schemas.openxmlformats.org/drawingml/2006/main" xmlns:r="http://schemas.openxmlformats.org/officeDocument/2006/relationships" xmlns:mc="http://schemas.openxmlformats.org/markup-compatibility/2006" xmlns:mv="urn:schemas-microsoft-com:mac:vml" xmlns:p="http://schemas.openxmlformats.org/presentationml/2006/main" xmlns:c="http://schemas.openxmlformats.org/drawingml/2006/chart" xmlns:dgm="http://schemas.openxmlformats.org/drawingml/2006/diagram" xmlns:o="urn:schemas-microsoft-com:office:office" xmlns:v="urn:schemas-microsoft-com:vml" xmlns:pvml="urn:schemas-microsoft-com:office:powerpoint" xmlns:com="http://schemas.openxmlformats.org/drawingml/2006/compatibility" xmlns:p14="http://schemas.microsoft.com/office/powerpoint/2010/main" xmlns:p15="http://schemas.microsoft.com/office/powerpoint/2012/main" xmlns:ahyp="http://schemas.microsoft.com/office/drawing/2018/hyperlinkcolor">
-  <p:cSld>
-    <p:spTree>
-      <p:nvGrpSpPr>
-        <p:cNvPr id="357" name="Shape 357"/>
-        <p:cNvGrpSpPr/>
-        <p:nvPr/>
-      </p:nvGrpSpPr>
-      <p:grpSpPr>
-        <a:xfrm>
-          <a:off x="0" y="0"/>
-          <a:ext cx="0" cy="0"/>
-          <a:chOff x="0" y="0"/>
-          <a:chExt cx="0" cy="0"/>
-        </a:xfrm>
-      </p:grpSpPr>
-      <p:sp>
-        <p:nvSpPr>
-          <p:cNvPr id="358" name="Google Shape;358;p62"/>
-          <p:cNvSpPr txBox="1"/>
-          <p:nvPr>
-            <p:ph type="title"/>
-          </p:nvPr>
-        </p:nvSpPr>
-        <p:spPr>
-          <a:xfrm>
-            <a:off x="311700" y="445025"/>
-            <a:ext cx="8520600" cy="572700"/>
-          </a:xfrm>
-          <a:prstGeom prst="rect">
-            <a:avLst/>
-          </a:prstGeom>
-        </p:spPr>
-        <p:txBody>
-          <a:bodyPr anchorCtr="0" anchor="t" bIns="91425" lIns="91425" spcFirstLastPara="1" rIns="91425" wrap="square" tIns="91425">
-            <a:noAutofit/>
-          </a:bodyPr>
-          <a:lstStyle/>
-          <a:p>
-            <a:pPr indent="0" lvl="0" marL="0" rtl="0" algn="l">
-              <a:spcBef>
-                <a:spcPts val="0"/>
-              </a:spcBef>
-              <a:spcAft>
-                <a:spcPts val="0"/>
-              </a:spcAft>
-              <a:buNone/>
-            </a:pPr>
-            <a:r>
-              <a:rPr lang="en"/>
-              <a:t>Facebook Groups</a:t>
-            </a:r>
-            <a:endParaRPr/>
-          </a:p>
-        </p:txBody>
-      </p:sp>
-      <p:sp>
-        <p:nvSpPr>
-          <p:cNvPr id="359" name="Google Shape;359;p62"/>
-          <p:cNvSpPr txBox="1"/>
-          <p:nvPr>
-            <p:ph idx="1" type="body"/>
-          </p:nvPr>
-        </p:nvSpPr>
-        <p:spPr>
-          <a:xfrm>
-            <a:off x="311700" y="1152475"/>
-            <a:ext cx="4260300" cy="3416400"/>
-          </a:xfrm>
-          <a:prstGeom prst="rect">
-            <a:avLst/>
-          </a:prstGeom>
-        </p:spPr>
-        <p:txBody>
-          <a:bodyPr anchorCtr="0" anchor="t" bIns="91425" lIns="91425" spcFirstLastPara="1" rIns="91425" wrap="square" tIns="91425">
-            <a:noAutofit/>
-          </a:bodyPr>
-          <a:lstStyle/>
-          <a:p>
-            <a:pPr indent="-342900" lvl="0" marL="457200" rtl="0" algn="l">
-              <a:spcBef>
-                <a:spcPts val="0"/>
-              </a:spcBef>
-              <a:spcAft>
-                <a:spcPts val="0"/>
-              </a:spcAft>
-              <a:buSzPts val="1800"/>
-              <a:buChar char="●"/>
-            </a:pPr>
-            <a:r>
-              <a:rPr lang="en"/>
-              <a:t>Join these to build trust</a:t>
-            </a:r>
-            <a:endParaRPr/>
-          </a:p>
-          <a:p>
-            <a:pPr indent="0" lvl="0" marL="0" rtl="0" algn="l">
-              <a:spcBef>
-                <a:spcPts val="1600"/>
-              </a:spcBef>
-              <a:spcAft>
-                <a:spcPts val="0"/>
-              </a:spcAft>
-              <a:buNone/>
-            </a:pPr>
-            <a:r>
-              <a:t/>
-            </a:r>
-            <a:endParaRPr/>
-          </a:p>
-          <a:p>
-            <a:pPr indent="-342900" lvl="0" marL="457200" rtl="0" algn="l">
-              <a:spcBef>
-                <a:spcPts val="1600"/>
-              </a:spcBef>
-              <a:spcAft>
-                <a:spcPts val="0"/>
-              </a:spcAft>
-              <a:buSzPts val="1800"/>
-              <a:buChar char="●"/>
-            </a:pPr>
-            <a:r>
-              <a:rPr lang="en"/>
-              <a:t>Get stories ideas or sources</a:t>
-            </a:r>
-            <a:endParaRPr/>
-          </a:p>
-          <a:p>
-            <a:pPr indent="0" lvl="0" marL="0" rtl="0" algn="l">
-              <a:spcBef>
-                <a:spcPts val="1600"/>
-              </a:spcBef>
-              <a:spcAft>
-                <a:spcPts val="0"/>
-              </a:spcAft>
-              <a:buNone/>
-            </a:pPr>
-            <a:r>
-              <a:t/>
-            </a:r>
-            <a:endParaRPr/>
-          </a:p>
-          <a:p>
-            <a:pPr indent="-342900" lvl="0" marL="457200" rtl="0" algn="l">
-              <a:spcBef>
-                <a:spcPts val="1600"/>
-              </a:spcBef>
-              <a:spcAft>
-                <a:spcPts val="0"/>
-              </a:spcAft>
-              <a:buSzPts val="1800"/>
-              <a:buChar char="●"/>
-            </a:pPr>
-            <a:r>
-              <a:rPr lang="en"/>
-              <a:t>Show that you, as a journalist, are invested in a topic that your audience cares about</a:t>
-            </a:r>
-            <a:endParaRPr/>
-          </a:p>
-          <a:p>
-            <a:pPr indent="0" lvl="0" marL="0" rtl="0" algn="l">
-              <a:spcBef>
-                <a:spcPts val="1600"/>
-              </a:spcBef>
-              <a:spcAft>
-                <a:spcPts val="0"/>
-              </a:spcAft>
-              <a:buNone/>
-            </a:pPr>
-            <a:r>
-              <a:t/>
-            </a:r>
-            <a:endParaRPr/>
-          </a:p>
-          <a:p>
-            <a:pPr indent="0" lvl="0" marL="0" rtl="0" algn="l">
-              <a:spcBef>
-                <a:spcPts val="1600"/>
-              </a:spcBef>
-              <a:spcAft>
-                <a:spcPts val="1600"/>
-              </a:spcAft>
-              <a:buNone/>
-            </a:pPr>
-            <a:r>
-              <a:t/>
-            </a:r>
-            <a:endParaRPr/>
-          </a:p>
-        </p:txBody>
-      </p:sp>
-      <p:pic>
-        <p:nvPicPr>
-          <p:cNvPr id="360" name="Google Shape;360;p62"/>
-          <p:cNvPicPr preferRelativeResize="0"/>
-          <p:nvPr/>
-        </p:nvPicPr>
-        <p:blipFill>
-          <a:blip r:embed="rId3">
-            <a:alphaModFix/>
-          </a:blip>
-          <a:stretch>
-            <a:fillRect/>
-          </a:stretch>
-        </p:blipFill>
-        <p:spPr>
-          <a:xfrm>
-            <a:off x="5839075" y="1017725"/>
-            <a:ext cx="2736704" cy="3802800"/>
-          </a:xfrm>
-          <a:prstGeom prst="rect">
-            <a:avLst/>
-          </a:prstGeom>
-          <a:noFill/>
-          <a:ln>
-            <a:noFill/>
-          </a:ln>
-        </p:spPr>
-      </p:pic>
-    </p:spTree>
-  </p:cSld>
-  <p:clrMapOvr>
-    <a:masterClrMapping/>
-  </p:clrMapOvr>
-</p:sld>
-</file>
-
-<file path=ppt/slides/slide51.xml><?xml version="1.0" encoding="utf-8"?>
-<p:sld xmlns:a="http://schemas.openxmlformats.org/drawingml/2006/main" xmlns:r="http://schemas.openxmlformats.org/officeDocument/2006/relationships" xmlns:mc="http://schemas.openxmlformats.org/markup-compatibility/2006" xmlns:mv="urn:schemas-microsoft-com:mac:vml" xmlns:p="http://schemas.openxmlformats.org/presentationml/2006/main" xmlns:c="http://schemas.openxmlformats.org/drawingml/2006/chart" xmlns:dgm="http://schemas.openxmlformats.org/drawingml/2006/diagram" xmlns:o="urn:schemas-microsoft-com:office:office" xmlns:v="urn:schemas-microsoft-com:vml" xmlns:pvml="urn:schemas-microsoft-com:office:powerpoint" xmlns:com="http://schemas.openxmlformats.org/drawingml/2006/compatibility" xmlns:p14="http://schemas.microsoft.com/office/powerpoint/2010/main" xmlns:p15="http://schemas.microsoft.com/office/powerpoint/2012/main" xmlns:ahyp="http://schemas.microsoft.com/office/drawing/2018/hyperlinkcolor">
-  <p:cSld>
-    <p:spTree>
-      <p:nvGrpSpPr>
-        <p:cNvPr id="364" name="Shape 364"/>
-        <p:cNvGrpSpPr/>
-        <p:nvPr/>
-      </p:nvGrpSpPr>
-      <p:grpSpPr>
-        <a:xfrm>
-          <a:off x="0" y="0"/>
-          <a:ext cx="0" cy="0"/>
-          <a:chOff x="0" y="0"/>
-          <a:chExt cx="0" cy="0"/>
-        </a:xfrm>
-      </p:grpSpPr>
-      <p:sp>
-        <p:nvSpPr>
-          <p:cNvPr id="365" name="Google Shape;365;p63"/>
-          <p:cNvSpPr txBox="1"/>
-          <p:nvPr>
-            <p:ph type="title"/>
-          </p:nvPr>
-        </p:nvSpPr>
-        <p:spPr>
-          <a:xfrm>
-            <a:off x="311700" y="445025"/>
-            <a:ext cx="8520600" cy="572700"/>
-          </a:xfrm>
-          <a:prstGeom prst="rect">
-            <a:avLst/>
-          </a:prstGeom>
-        </p:spPr>
-        <p:txBody>
-          <a:bodyPr anchorCtr="0" anchor="t" bIns="91425" lIns="91425" spcFirstLastPara="1" rIns="91425" wrap="square" tIns="91425">
-            <a:noAutofit/>
-          </a:bodyPr>
-          <a:lstStyle/>
-          <a:p>
-            <a:pPr indent="0" lvl="0" marL="0" rtl="0" algn="l">
-              <a:spcBef>
-                <a:spcPts val="0"/>
-              </a:spcBef>
-              <a:spcAft>
-                <a:spcPts val="0"/>
-              </a:spcAft>
-              <a:buNone/>
-            </a:pPr>
-            <a:r>
-              <a:rPr lang="en"/>
-              <a:t>Subreddits</a:t>
-            </a:r>
-            <a:endParaRPr/>
-          </a:p>
-        </p:txBody>
-      </p:sp>
-      <p:sp>
-        <p:nvSpPr>
-          <p:cNvPr id="366" name="Google Shape;366;p63"/>
-          <p:cNvSpPr txBox="1"/>
-          <p:nvPr>
-            <p:ph idx="1" type="body"/>
-          </p:nvPr>
-        </p:nvSpPr>
-        <p:spPr>
-          <a:xfrm>
-            <a:off x="311700" y="1152475"/>
-            <a:ext cx="4260300" cy="3416400"/>
-          </a:xfrm>
-          <a:prstGeom prst="rect">
-            <a:avLst/>
-          </a:prstGeom>
-        </p:spPr>
-        <p:txBody>
-          <a:bodyPr anchorCtr="0" anchor="t" bIns="91425" lIns="91425" spcFirstLastPara="1" rIns="91425" wrap="square" tIns="91425">
-            <a:noAutofit/>
-          </a:bodyPr>
-          <a:lstStyle/>
-          <a:p>
-            <a:pPr indent="-342900" lvl="0" marL="457200" rtl="0" algn="l">
-              <a:spcBef>
-                <a:spcPts val="1000"/>
-              </a:spcBef>
-              <a:spcAft>
-                <a:spcPts val="0"/>
-              </a:spcAft>
-              <a:buSzPts val="1800"/>
-              <a:buChar char="●"/>
-            </a:pPr>
-            <a:r>
-              <a:rPr lang="en"/>
-              <a:t>Lurk &amp;</a:t>
-            </a:r>
-            <a:r>
-              <a:rPr lang="en"/>
-              <a:t> post in communities you’re interested in</a:t>
-            </a:r>
-            <a:endParaRPr/>
-          </a:p>
-          <a:p>
-            <a:pPr indent="-342900" lvl="0" marL="457200" rtl="0" algn="l">
-              <a:spcBef>
-                <a:spcPts val="1000"/>
-              </a:spcBef>
-              <a:spcAft>
-                <a:spcPts val="0"/>
-              </a:spcAft>
-              <a:buSzPts val="1800"/>
-              <a:buChar char="●"/>
-            </a:pPr>
-            <a:r>
-              <a:rPr lang="en"/>
-              <a:t>Sharing will work better if you’ve done some groundwork in that community</a:t>
-            </a:r>
-            <a:endParaRPr/>
-          </a:p>
-          <a:p>
-            <a:pPr indent="-342900" lvl="0" marL="457200" rtl="0" algn="l">
-              <a:spcBef>
-                <a:spcPts val="1000"/>
-              </a:spcBef>
-              <a:spcAft>
-                <a:spcPts val="0"/>
-              </a:spcAft>
-              <a:buSzPts val="1800"/>
-              <a:buChar char="●"/>
-            </a:pPr>
-            <a:r>
-              <a:rPr lang="en"/>
-              <a:t>Don’t “parachute in” with a story related to the community’s interest and then disappear</a:t>
-            </a:r>
-            <a:endParaRPr/>
-          </a:p>
-          <a:p>
-            <a:pPr indent="0" lvl="0" marL="0" rtl="0" algn="l">
-              <a:spcBef>
-                <a:spcPts val="0"/>
-              </a:spcBef>
-              <a:spcAft>
-                <a:spcPts val="0"/>
-              </a:spcAft>
-              <a:buNone/>
-            </a:pPr>
-            <a:r>
-              <a:t/>
-            </a:r>
-            <a:endParaRPr/>
-          </a:p>
-          <a:p>
-            <a:pPr indent="0" lvl="0" marL="0" rtl="0" algn="l">
-              <a:spcBef>
-                <a:spcPts val="1600"/>
-              </a:spcBef>
-              <a:spcAft>
-                <a:spcPts val="1600"/>
-              </a:spcAft>
-              <a:buNone/>
-            </a:pPr>
-            <a:r>
-              <a:t/>
-            </a:r>
-            <a:endParaRPr/>
-          </a:p>
-        </p:txBody>
-      </p:sp>
-      <p:pic>
-        <p:nvPicPr>
-          <p:cNvPr id="367" name="Google Shape;367;p63"/>
-          <p:cNvPicPr preferRelativeResize="0"/>
-          <p:nvPr/>
-        </p:nvPicPr>
-        <p:blipFill>
-          <a:blip r:embed="rId3">
-            <a:alphaModFix/>
-          </a:blip>
-          <a:stretch>
-            <a:fillRect/>
-          </a:stretch>
-        </p:blipFill>
-        <p:spPr>
-          <a:xfrm>
-            <a:off x="4724400" y="1170125"/>
-            <a:ext cx="4267201" cy="3144732"/>
-          </a:xfrm>
-          <a:prstGeom prst="rect">
-            <a:avLst/>
-          </a:prstGeom>
-          <a:noFill/>
-          <a:ln>
-            <a:noFill/>
-          </a:ln>
-        </p:spPr>
-      </p:pic>
-    </p:spTree>
-  </p:cSld>
-  <p:clrMapOvr>
-    <a:masterClrMapping/>
-  </p:clrMapOvr>
-</p:sld>
-</file>
-
-<file path=ppt/slides/slide52.xml><?xml version="1.0" encoding="utf-8"?>
-<p:sld xmlns:a="http://schemas.openxmlformats.org/drawingml/2006/main" xmlns:r="http://schemas.openxmlformats.org/officeDocument/2006/relationships" xmlns:mc="http://schemas.openxmlformats.org/markup-compatibility/2006" xmlns:mv="urn:schemas-microsoft-com:mac:vml" xmlns:p="http://schemas.openxmlformats.org/presentationml/2006/main" xmlns:c="http://schemas.openxmlformats.org/drawingml/2006/chart" xmlns:dgm="http://schemas.openxmlformats.org/drawingml/2006/diagram" xmlns:o="urn:schemas-microsoft-com:office:office" xmlns:v="urn:schemas-microsoft-com:vml" xmlns:pvml="urn:schemas-microsoft-com:office:powerpoint" xmlns:com="http://schemas.openxmlformats.org/drawingml/2006/compatibility" xmlns:p14="http://schemas.microsoft.com/office/powerpoint/2010/main" xmlns:p15="http://schemas.microsoft.com/office/powerpoint/2012/main" xmlns:ahyp="http://schemas.microsoft.com/office/drawing/2018/hyperlinkcolor">
-  <p:cSld>
-    <p:spTree>
-      <p:nvGrpSpPr>
-        <p:cNvPr id="371" name="Shape 371"/>
-        <p:cNvGrpSpPr/>
-        <p:nvPr/>
-      </p:nvGrpSpPr>
-      <p:grpSpPr>
-        <a:xfrm>
-          <a:off x="0" y="0"/>
-          <a:ext cx="0" cy="0"/>
-          <a:chOff x="0" y="0"/>
-          <a:chExt cx="0" cy="0"/>
-        </a:xfrm>
-      </p:grpSpPr>
-      <p:sp>
-        <p:nvSpPr>
-          <p:cNvPr id="372" name="Google Shape;372;p64"/>
-          <p:cNvSpPr txBox="1"/>
-          <p:nvPr>
-            <p:ph type="title"/>
-          </p:nvPr>
-        </p:nvSpPr>
-        <p:spPr>
-          <a:xfrm>
-            <a:off x="311700" y="445025"/>
-            <a:ext cx="8520600" cy="572700"/>
-          </a:xfrm>
-          <a:prstGeom prst="rect">
-            <a:avLst/>
-          </a:prstGeom>
-        </p:spPr>
-        <p:txBody>
-          <a:bodyPr anchorCtr="0" anchor="t" bIns="91425" lIns="91425" spcFirstLastPara="1" rIns="91425" wrap="square" tIns="91425">
-            <a:noAutofit/>
-          </a:bodyPr>
-          <a:lstStyle/>
-          <a:p>
-            <a:pPr indent="0" lvl="0" marL="0" rtl="0" algn="l">
-              <a:spcBef>
-                <a:spcPts val="0"/>
-              </a:spcBef>
-              <a:spcAft>
-                <a:spcPts val="0"/>
-              </a:spcAft>
-              <a:buNone/>
-            </a:pPr>
-            <a:r>
-              <a:rPr lang="en"/>
-              <a:t>Ask/Call To Action</a:t>
-            </a:r>
-            <a:endParaRPr/>
-          </a:p>
-        </p:txBody>
-      </p:sp>
-      <p:sp>
-        <p:nvSpPr>
-          <p:cNvPr id="373" name="Google Shape;373;p64"/>
-          <p:cNvSpPr txBox="1"/>
-          <p:nvPr>
-            <p:ph idx="1" type="body"/>
-          </p:nvPr>
-        </p:nvSpPr>
-        <p:spPr>
-          <a:xfrm>
-            <a:off x="311700" y="1152475"/>
-            <a:ext cx="4260300" cy="3416400"/>
-          </a:xfrm>
-          <a:prstGeom prst="rect">
-            <a:avLst/>
-          </a:prstGeom>
-        </p:spPr>
-        <p:txBody>
-          <a:bodyPr anchorCtr="0" anchor="t" bIns="91425" lIns="91425" spcFirstLastPara="1" rIns="91425" wrap="square" tIns="91425">
-            <a:noAutofit/>
-          </a:bodyPr>
-          <a:lstStyle/>
-          <a:p>
-            <a:pPr indent="-342900" lvl="0" marL="457200" rtl="0" algn="l">
-              <a:spcBef>
-                <a:spcPts val="1000"/>
-              </a:spcBef>
-              <a:spcAft>
-                <a:spcPts val="0"/>
-              </a:spcAft>
-              <a:buSzPts val="1800"/>
-              <a:buChar char="●"/>
-            </a:pPr>
-            <a:r>
-              <a:rPr lang="en"/>
-              <a:t>Use social accounts to encourage users to send ideas</a:t>
-            </a:r>
-            <a:endParaRPr/>
-          </a:p>
-          <a:p>
-            <a:pPr indent="-317500" lvl="1" marL="914400" rtl="0" algn="l">
-              <a:spcBef>
-                <a:spcPts val="0"/>
-              </a:spcBef>
-              <a:spcAft>
-                <a:spcPts val="0"/>
-              </a:spcAft>
-              <a:buSzPts val="1400"/>
-              <a:buChar char="○"/>
-            </a:pPr>
-            <a:r>
-              <a:rPr lang="en"/>
-              <a:t>The Baltimore Sun has been running an occasional series of stories generated by user questions</a:t>
-            </a:r>
-            <a:endParaRPr/>
-          </a:p>
-          <a:p>
-            <a:pPr indent="-342900" lvl="0" marL="457200" rtl="0" algn="l">
-              <a:spcBef>
-                <a:spcPts val="1000"/>
-              </a:spcBef>
-              <a:spcAft>
-                <a:spcPts val="0"/>
-              </a:spcAft>
-              <a:buSzPts val="1800"/>
-              <a:buChar char="●"/>
-            </a:pPr>
-            <a:r>
-              <a:rPr lang="en"/>
-              <a:t>These are often stories newsrooms would ignore</a:t>
-            </a:r>
-            <a:endParaRPr/>
-          </a:p>
-          <a:p>
-            <a:pPr indent="-342900" lvl="0" marL="457200" rtl="0" algn="l">
-              <a:spcBef>
-                <a:spcPts val="1000"/>
-              </a:spcBef>
-              <a:spcAft>
-                <a:spcPts val="0"/>
-              </a:spcAft>
-              <a:buSzPts val="1800"/>
-              <a:buChar char="●"/>
-            </a:pPr>
-            <a:r>
-              <a:rPr lang="en"/>
-              <a:t>It’s worth knowing what your audience is curious about!</a:t>
-            </a:r>
-            <a:endParaRPr/>
-          </a:p>
-          <a:p>
-            <a:pPr indent="0" lvl="0" marL="0" rtl="0" algn="l">
-              <a:spcBef>
-                <a:spcPts val="1600"/>
-              </a:spcBef>
-              <a:spcAft>
-                <a:spcPts val="1600"/>
-              </a:spcAft>
-              <a:buNone/>
-            </a:pPr>
-            <a:r>
-              <a:t/>
-            </a:r>
-            <a:endParaRPr/>
-          </a:p>
-        </p:txBody>
-      </p:sp>
-      <p:pic>
-        <p:nvPicPr>
-          <p:cNvPr id="374" name="Google Shape;374;p64"/>
-          <p:cNvPicPr preferRelativeResize="0"/>
-          <p:nvPr/>
-        </p:nvPicPr>
-        <p:blipFill>
-          <a:blip r:embed="rId3">
-            <a:alphaModFix/>
-          </a:blip>
-          <a:stretch>
-            <a:fillRect/>
-          </a:stretch>
-        </p:blipFill>
-        <p:spPr>
-          <a:xfrm>
-            <a:off x="4846932" y="1152474"/>
-            <a:ext cx="3985368" cy="2536126"/>
-          </a:xfrm>
-          <a:prstGeom prst="rect">
-            <a:avLst/>
-          </a:prstGeom>
-          <a:noFill/>
-          <a:ln>
-            <a:noFill/>
-          </a:ln>
-        </p:spPr>
-      </p:pic>
-    </p:spTree>
-  </p:cSld>
-  <p:clrMapOvr>
-    <a:masterClrMapping/>
-  </p:clrMapOvr>
-</p:sld>
-</file>
-
-<file path=ppt/slides/slide53.xml><?xml version="1.0" encoding="utf-8"?>
-<p:sld xmlns:a="http://schemas.openxmlformats.org/drawingml/2006/main" xmlns:r="http://schemas.openxmlformats.org/officeDocument/2006/relationships" xmlns:mc="http://schemas.openxmlformats.org/markup-compatibility/2006" xmlns:mv="urn:schemas-microsoft-com:mac:vml" xmlns:p="http://schemas.openxmlformats.org/presentationml/2006/main" xmlns:c="http://schemas.openxmlformats.org/drawingml/2006/chart" xmlns:dgm="http://schemas.openxmlformats.org/drawingml/2006/diagram" xmlns:o="urn:schemas-microsoft-com:office:office" xmlns:v="urn:schemas-microsoft-com:vml" xmlns:pvml="urn:schemas-microsoft-com:office:powerpoint" xmlns:com="http://schemas.openxmlformats.org/drawingml/2006/compatibility" xmlns:p14="http://schemas.microsoft.com/office/powerpoint/2010/main" xmlns:p15="http://schemas.microsoft.com/office/powerpoint/2012/main" xmlns:ahyp="http://schemas.microsoft.com/office/drawing/2018/hyperlinkcolor">
-  <p:cSld>
-    <p:spTree>
-      <p:nvGrpSpPr>
-        <p:cNvPr id="378" name="Shape 378"/>
-        <p:cNvGrpSpPr/>
-        <p:nvPr/>
-      </p:nvGrpSpPr>
-      <p:grpSpPr>
-        <a:xfrm>
-          <a:off x="0" y="0"/>
-          <a:ext cx="0" cy="0"/>
-          <a:chOff x="0" y="0"/>
-          <a:chExt cx="0" cy="0"/>
-        </a:xfrm>
-      </p:grpSpPr>
-      <p:sp>
-        <p:nvSpPr>
-          <p:cNvPr id="379" name="Google Shape;379;p65"/>
-          <p:cNvSpPr txBox="1"/>
-          <p:nvPr>
-            <p:ph type="title"/>
-          </p:nvPr>
-        </p:nvSpPr>
-        <p:spPr>
-          <a:xfrm>
-            <a:off x="490250" y="526350"/>
-            <a:ext cx="5797500" cy="4090800"/>
-          </a:xfrm>
-          <a:prstGeom prst="rect">
-            <a:avLst/>
-          </a:prstGeom>
-        </p:spPr>
-        <p:txBody>
-          <a:bodyPr anchorCtr="0" anchor="ctr" bIns="91425" lIns="91425" spcFirstLastPara="1" rIns="91425" wrap="square" tIns="91425">
-            <a:noAutofit/>
-          </a:bodyPr>
-          <a:lstStyle/>
-          <a:p>
-            <a:pPr indent="0" lvl="0" marL="0" rtl="0" algn="l">
-              <a:spcBef>
-                <a:spcPts val="0"/>
-              </a:spcBef>
-              <a:spcAft>
-                <a:spcPts val="0"/>
-              </a:spcAft>
-              <a:buNone/>
-            </a:pPr>
-            <a:r>
-              <a:rPr b="1" lang="en"/>
-              <a:t>Exercise 4:</a:t>
-            </a:r>
-            <a:endParaRPr b="1"/>
-          </a:p>
-          <a:p>
-            <a:pPr indent="0" lvl="0" marL="0" rtl="0" algn="l">
-              <a:spcBef>
-                <a:spcPts val="0"/>
-              </a:spcBef>
-              <a:spcAft>
-                <a:spcPts val="0"/>
-              </a:spcAft>
-              <a:buNone/>
-            </a:pPr>
-            <a:r>
-              <a:rPr lang="en">
-                <a:solidFill>
-                  <a:schemeClr val="lt1"/>
-                </a:solidFill>
-              </a:rPr>
-              <a:t>Make A Plan</a:t>
-            </a:r>
-            <a:endParaRPr>
-              <a:solidFill>
-                <a:schemeClr val="lt1"/>
-              </a:solidFill>
-            </a:endParaRPr>
-          </a:p>
-        </p:txBody>
-      </p:sp>
-    </p:spTree>
-  </p:cSld>
-  <p:clrMapOvr>
-    <a:masterClrMapping/>
-  </p:clrMapOvr>
-</p:sld>
-</file>
-
-<file path=ppt/slides/slide54.xml><?xml version="1.0" encoding="utf-8"?>
-<p:sld xmlns:a="http://schemas.openxmlformats.org/drawingml/2006/main" xmlns:r="http://schemas.openxmlformats.org/officeDocument/2006/relationships" xmlns:mc="http://schemas.openxmlformats.org/markup-compatibility/2006" xmlns:mv="urn:schemas-microsoft-com:mac:vml" xmlns:p="http://schemas.openxmlformats.org/presentationml/2006/main" xmlns:c="http://schemas.openxmlformats.org/drawingml/2006/chart" xmlns:dgm="http://schemas.openxmlformats.org/drawingml/2006/diagram" xmlns:o="urn:schemas-microsoft-com:office:office" xmlns:v="urn:schemas-microsoft-com:vml" xmlns:pvml="urn:schemas-microsoft-com:office:powerpoint" xmlns:com="http://schemas.openxmlformats.org/drawingml/2006/compatibility" xmlns:p14="http://schemas.microsoft.com/office/powerpoint/2010/main" xmlns:p15="http://schemas.microsoft.com/office/powerpoint/2012/main" xmlns:ahyp="http://schemas.microsoft.com/office/drawing/2018/hyperlinkcolor">
-  <p:cSld>
-    <p:spTree>
-      <p:nvGrpSpPr>
-        <p:cNvPr id="383" name="Shape 383"/>
-        <p:cNvGrpSpPr/>
-        <p:nvPr/>
-      </p:nvGrpSpPr>
-      <p:grpSpPr>
-        <a:xfrm>
-          <a:off x="0" y="0"/>
-          <a:ext cx="0" cy="0"/>
-          <a:chOff x="0" y="0"/>
-          <a:chExt cx="0" cy="0"/>
-        </a:xfrm>
-      </p:grpSpPr>
-      <p:sp>
-        <p:nvSpPr>
-          <p:cNvPr id="384" name="Google Shape;384;p66"/>
-          <p:cNvSpPr txBox="1"/>
-          <p:nvPr>
-            <p:ph type="title"/>
-          </p:nvPr>
-        </p:nvSpPr>
-        <p:spPr>
-          <a:xfrm>
-            <a:off x="311700" y="445025"/>
-            <a:ext cx="8520600" cy="572700"/>
-          </a:xfrm>
-          <a:prstGeom prst="rect">
-            <a:avLst/>
-          </a:prstGeom>
-        </p:spPr>
-        <p:txBody>
-          <a:bodyPr anchorCtr="0" anchor="t" bIns="91425" lIns="91425" spcFirstLastPara="1" rIns="91425" wrap="square" tIns="91425">
-            <a:noAutofit/>
-          </a:bodyPr>
-          <a:lstStyle/>
-          <a:p>
-            <a:pPr indent="0" lvl="0" marL="0" rtl="0" algn="l">
-              <a:spcBef>
-                <a:spcPts val="0"/>
-              </a:spcBef>
-              <a:spcAft>
-                <a:spcPts val="0"/>
-              </a:spcAft>
-              <a:buNone/>
-            </a:pPr>
-            <a:r>
-              <a:rPr lang="en"/>
-              <a:t>Make A Plan</a:t>
-            </a:r>
-            <a:endParaRPr/>
-          </a:p>
-        </p:txBody>
-      </p:sp>
-      <p:sp>
-        <p:nvSpPr>
-          <p:cNvPr id="385" name="Google Shape;385;p66"/>
-          <p:cNvSpPr txBox="1"/>
-          <p:nvPr>
-            <p:ph idx="1" type="body"/>
-          </p:nvPr>
-        </p:nvSpPr>
-        <p:spPr>
-          <a:xfrm>
-            <a:off x="311700" y="1152475"/>
-            <a:ext cx="8520600" cy="3416400"/>
-          </a:xfrm>
-          <a:prstGeom prst="rect">
-            <a:avLst/>
-          </a:prstGeom>
-        </p:spPr>
-        <p:txBody>
-          <a:bodyPr anchorCtr="0" anchor="t" bIns="91425" lIns="91425" spcFirstLastPara="1" rIns="91425" wrap="square" tIns="91425">
-            <a:noAutofit/>
-          </a:bodyPr>
-          <a:lstStyle/>
-          <a:p>
-            <a:pPr indent="0" lvl="0" marL="0" rtl="0" algn="l">
-              <a:spcBef>
-                <a:spcPts val="0"/>
-              </a:spcBef>
-              <a:spcAft>
-                <a:spcPts val="0"/>
-              </a:spcAft>
-              <a:buNone/>
-            </a:pPr>
-            <a:r>
-              <a:rPr lang="en"/>
-              <a:t>In the time we have remaining:</a:t>
-            </a:r>
-            <a:endParaRPr/>
-          </a:p>
-          <a:p>
-            <a:pPr indent="0" lvl="0" marL="0" rtl="0" algn="l">
-              <a:spcBef>
-                <a:spcPts val="1600"/>
-              </a:spcBef>
-              <a:spcAft>
-                <a:spcPts val="0"/>
-              </a:spcAft>
-              <a:buNone/>
-            </a:pPr>
-            <a:r>
-              <a:t/>
-            </a:r>
-            <a:endParaRPr/>
-          </a:p>
-          <a:p>
-            <a:pPr indent="-342900" lvl="0" marL="457200" rtl="0" algn="l">
-              <a:spcBef>
-                <a:spcPts val="1600"/>
-              </a:spcBef>
-              <a:spcAft>
-                <a:spcPts val="0"/>
-              </a:spcAft>
-              <a:buSzPts val="1800"/>
-              <a:buChar char="●"/>
-            </a:pPr>
-            <a:r>
-              <a:rPr lang="en"/>
-              <a:t>Choose at least one engagement strategy to pursue (Create/join FB group, stalk a Subreddit, etc.)</a:t>
-            </a:r>
-            <a:endParaRPr/>
-          </a:p>
-          <a:p>
-            <a:pPr indent="-317500" lvl="1" marL="914400" rtl="0" algn="l">
-              <a:lnSpc>
-                <a:spcPct val="200000"/>
-              </a:lnSpc>
-              <a:spcBef>
-                <a:spcPts val="0"/>
-              </a:spcBef>
-              <a:spcAft>
-                <a:spcPts val="0"/>
-              </a:spcAft>
-              <a:buSzPts val="1400"/>
-              <a:buChar char="○"/>
-            </a:pPr>
-            <a:r>
-              <a:rPr lang="en"/>
-              <a:t>Consider what you’ve learned from your expert and personal story sources</a:t>
-            </a:r>
-            <a:endParaRPr/>
-          </a:p>
-          <a:p>
-            <a:pPr indent="-317500" lvl="1" marL="914400" rtl="0" algn="l">
-              <a:lnSpc>
-                <a:spcPct val="200000"/>
-              </a:lnSpc>
-              <a:spcBef>
-                <a:spcPts val="0"/>
-              </a:spcBef>
-              <a:spcAft>
-                <a:spcPts val="0"/>
-              </a:spcAft>
-              <a:buSzPts val="1400"/>
-              <a:buChar char="○"/>
-            </a:pPr>
-            <a:r>
-              <a:rPr lang="en"/>
-              <a:t>Consider who your target audience is</a:t>
-            </a:r>
-            <a:endParaRPr/>
-          </a:p>
-          <a:p>
-            <a:pPr indent="-317500" lvl="1" marL="914400" rtl="0" algn="l">
-              <a:spcBef>
-                <a:spcPts val="0"/>
-              </a:spcBef>
-              <a:spcAft>
-                <a:spcPts val="0"/>
-              </a:spcAft>
-              <a:buSzPts val="1400"/>
-              <a:buChar char="○"/>
-            </a:pPr>
-            <a:r>
-              <a:rPr lang="en"/>
-              <a:t>Consider what questions internet users are asking</a:t>
-            </a:r>
-            <a:endParaRPr/>
-          </a:p>
-        </p:txBody>
-      </p:sp>
-    </p:spTree>
-  </p:cSld>
-  <p:clrMapOvr>
-    <a:masterClrMapping/>
-  </p:clrMapOvr>
-</p:sld>
-</file>
-
-<file path=ppt/slides/slide55.xml><?xml version="1.0" encoding="utf-8"?>
-<p:sld xmlns:a="http://schemas.openxmlformats.org/drawingml/2006/main" xmlns:r="http://schemas.openxmlformats.org/officeDocument/2006/relationships" xmlns:mc="http://schemas.openxmlformats.org/markup-compatibility/2006" xmlns:mv="urn:schemas-microsoft-com:mac:vml" xmlns:p="http://schemas.openxmlformats.org/presentationml/2006/main" xmlns:c="http://schemas.openxmlformats.org/drawingml/2006/chart" xmlns:dgm="http://schemas.openxmlformats.org/drawingml/2006/diagram" xmlns:o="urn:schemas-microsoft-com:office:office" xmlns:v="urn:schemas-microsoft-com:vml" xmlns:pvml="urn:schemas-microsoft-com:office:powerpoint" xmlns:com="http://schemas.openxmlformats.org/drawingml/2006/compatibility" xmlns:p14="http://schemas.microsoft.com/office/powerpoint/2010/main" xmlns:p15="http://schemas.microsoft.com/office/powerpoint/2012/main" xmlns:ahyp="http://schemas.microsoft.com/office/drawing/2018/hyperlinkcolor">
-  <p:cSld>
-    <p:spTree>
-      <p:nvGrpSpPr>
-        <p:cNvPr id="389" name="Shape 389"/>
-        <p:cNvGrpSpPr/>
-        <p:nvPr/>
-      </p:nvGrpSpPr>
-      <p:grpSpPr>
-        <a:xfrm>
-          <a:off x="0" y="0"/>
-          <a:ext cx="0" cy="0"/>
-          <a:chOff x="0" y="0"/>
-          <a:chExt cx="0" cy="0"/>
-        </a:xfrm>
-      </p:grpSpPr>
-      <p:sp>
-        <p:nvSpPr>
-          <p:cNvPr id="390" name="Google Shape;390;p67"/>
-          <p:cNvSpPr txBox="1"/>
-          <p:nvPr>
-            <p:ph type="title"/>
-          </p:nvPr>
-        </p:nvSpPr>
-        <p:spPr>
-          <a:xfrm>
-            <a:off x="510450" y="2057400"/>
-            <a:ext cx="8123100" cy="778800"/>
-          </a:xfrm>
-          <a:prstGeom prst="rect">
-            <a:avLst/>
-          </a:prstGeom>
-        </p:spPr>
-        <p:txBody>
-          <a:bodyPr anchorCtr="0" anchor="b" bIns="91425" lIns="91425" spcFirstLastPara="1" rIns="91425" wrap="square" tIns="91425">
-            <a:noAutofit/>
-          </a:bodyPr>
-          <a:lstStyle/>
-          <a:p>
-            <a:pPr indent="0" lvl="0" marL="0" rtl="0" algn="l">
-              <a:spcBef>
-                <a:spcPts val="0"/>
-              </a:spcBef>
-              <a:spcAft>
-                <a:spcPts val="0"/>
-              </a:spcAft>
-              <a:buNone/>
-            </a:pPr>
-            <a:r>
-              <a:rPr b="1" lang="en"/>
-              <a:t>Slides:</a:t>
-            </a:r>
-            <a:r>
-              <a:rPr lang="en"/>
-              <a:t> </a:t>
-            </a:r>
-            <a:r>
-              <a:rPr i="1" lang="en" sz="3500">
-                <a:solidFill>
-                  <a:schemeClr val="lt2"/>
-                </a:solidFill>
-              </a:rPr>
-              <a:t>aapyles.github.io/cns/bootcamp/</a:t>
-            </a:r>
-            <a:endParaRPr i="1" sz="3500">
-              <a:solidFill>
-                <a:schemeClr val="lt2"/>
-              </a:solidFill>
-            </a:endParaRPr>
           </a:p>
         </p:txBody>
       </p:sp>
